--- a/PowerPoints.pptx
+++ b/PowerPoints.pptx
@@ -7,7 +7,7 @@
     <p:sldMasterId id="2147483676" r:id="rId3"/>
   </p:sldMasterIdLst>
   <p:notesMasterIdLst>
-    <p:notesMasterId r:id="rId14"/>
+    <p:notesMasterId r:id="rId20"/>
   </p:notesMasterIdLst>
   <p:sldIdLst>
     <p:sldId id="256" r:id="rId4"/>
@@ -18,38 +18,55 @@
     <p:sldId id="302" r:id="rId9"/>
     <p:sldId id="298" r:id="rId10"/>
     <p:sldId id="303" r:id="rId11"/>
-    <p:sldId id="285" r:id="rId12"/>
-    <p:sldId id="290" r:id="rId13"/>
+    <p:sldId id="304" r:id="rId12"/>
+    <p:sldId id="305" r:id="rId13"/>
+    <p:sldId id="306" r:id="rId14"/>
+    <p:sldId id="308" r:id="rId15"/>
+    <p:sldId id="309" r:id="rId16"/>
+    <p:sldId id="310" r:id="rId17"/>
+    <p:sldId id="285" r:id="rId18"/>
+    <p:sldId id="290" r:id="rId19"/>
   </p:sldIdLst>
   <p:sldSz cx="9144000" cy="5143500" type="screen16x9"/>
   <p:notesSz cx="6858000" cy="9144000"/>
   <p:embeddedFontLst>
     <p:embeddedFont>
+      <p:font typeface="Abel" panose="02000506030000020004" pitchFamily="2" charset="0"/>
+      <p:regular r:id="rId21"/>
+    </p:embeddedFont>
+    <p:embeddedFont>
+      <p:font typeface="Calibri" panose="020F0502020204030204" pitchFamily="34" charset="0"/>
+      <p:regular r:id="rId22"/>
+      <p:bold r:id="rId23"/>
+      <p:italic r:id="rId24"/>
+      <p:boldItalic r:id="rId25"/>
+    </p:embeddedFont>
+    <p:embeddedFont>
       <p:font typeface="Coustard" panose="020B0604020202020204" charset="0"/>
-      <p:regular r:id="rId15"/>
+      <p:regular r:id="rId26"/>
     </p:embeddedFont>
     <p:embeddedFont>
       <p:font typeface="Didact Gothic" panose="00000500000000000000" pitchFamily="2" charset="0"/>
-      <p:regular r:id="rId16"/>
+      <p:regular r:id="rId27"/>
     </p:embeddedFont>
     <p:embeddedFont>
       <p:font typeface="Proxima Nova" panose="020B0604020202020204" charset="0"/>
-      <p:regular r:id="rId17"/>
-      <p:bold r:id="rId18"/>
-      <p:italic r:id="rId19"/>
-      <p:boldItalic r:id="rId20"/>
+      <p:regular r:id="rId28"/>
+      <p:bold r:id="rId29"/>
+      <p:italic r:id="rId30"/>
+      <p:boldItalic r:id="rId31"/>
     </p:embeddedFont>
     <p:embeddedFont>
       <p:font typeface="Raleway" pitchFamily="2" charset="0"/>
-      <p:regular r:id="rId21"/>
-      <p:bold r:id="rId22"/>
-      <p:italic r:id="rId23"/>
-      <p:boldItalic r:id="rId24"/>
+      <p:regular r:id="rId32"/>
+      <p:bold r:id="rId33"/>
+      <p:italic r:id="rId34"/>
+      <p:boldItalic r:id="rId35"/>
     </p:embeddedFont>
     <p:embeddedFont>
       <p:font typeface="Roboto Condensed Light" panose="02000000000000000000" pitchFamily="2" charset="0"/>
-      <p:regular r:id="rId25"/>
-      <p:italic r:id="rId26"/>
+      <p:regular r:id="rId36"/>
+      <p:italic r:id="rId37"/>
     </p:embeddedFont>
   </p:embeddedFontLst>
   <p:defaultTextStyle>
@@ -2669,37 +2686,6 @@
 </file>
 
 <file path=ppt/slideLayouts/slideLayout3.xml><?xml version="1.0" encoding="utf-8"?>
-<p:sldLayout xmlns:a="http://schemas.openxmlformats.org/drawingml/2006/main" xmlns:r="http://schemas.openxmlformats.org/officeDocument/2006/relationships" xmlns:p="http://schemas.openxmlformats.org/presentationml/2006/main" matchingName="Blank" type="blank">
-  <p:cSld name="BLANK">
-    <p:bg>
-      <p:bgPr>
-        <a:noFill/>
-        <a:effectLst/>
-      </p:bgPr>
-    </p:bg>
-    <p:spTree>
-      <p:nvGrpSpPr>
-        <p:cNvPr id="1" name="Shape 51"/>
-        <p:cNvGrpSpPr/>
-        <p:nvPr/>
-      </p:nvGrpSpPr>
-      <p:grpSpPr>
-        <a:xfrm>
-          <a:off x="0" y="0"/>
-          <a:ext cx="0" cy="0"/>
-          <a:chOff x="0" y="0"/>
-          <a:chExt cx="0" cy="0"/>
-        </a:xfrm>
-      </p:grpSpPr>
-    </p:spTree>
-  </p:cSld>
-  <p:clrMapOvr>
-    <a:masterClrMapping/>
-  </p:clrMapOvr>
-</p:sldLayout>
-</file>
-
-<file path=ppt/slideLayouts/slideLayout4.xml><?xml version="1.0" encoding="utf-8"?>
 <p:sldLayout xmlns:a="http://schemas.openxmlformats.org/drawingml/2006/main" xmlns:r="http://schemas.openxmlformats.org/officeDocument/2006/relationships" xmlns:p="http://schemas.openxmlformats.org/presentationml/2006/main" matchingName="Thanks">
   <p:cSld name="CUSTOM_3">
     <p:spTree>
@@ -3237,7 +3223,7 @@
 </p:sldLayout>
 </file>
 
-<file path=ppt/slideLayouts/slideLayout5.xml><?xml version="1.0" encoding="utf-8"?>
+<file path=ppt/slideLayouts/slideLayout4.xml><?xml version="1.0" encoding="utf-8"?>
 <p:sldLayout xmlns:a="http://schemas.openxmlformats.org/drawingml/2006/main" xmlns:r="http://schemas.openxmlformats.org/officeDocument/2006/relationships" xmlns:p="http://schemas.openxmlformats.org/presentationml/2006/main" matchingName="Background">
   <p:cSld name="CUSTOM_9">
     <p:spTree>
@@ -9118,7 +9104,7 @@
 </p:sldLayout>
 </file>
 
-<file path=ppt/slideLayouts/slideLayout6.xml><?xml version="1.0" encoding="utf-8"?>
+<file path=ppt/slideLayouts/slideLayout5.xml><?xml version="1.0" encoding="utf-8"?>
 <p:sldLayout xmlns:a="http://schemas.openxmlformats.org/drawingml/2006/main" xmlns:r="http://schemas.openxmlformats.org/officeDocument/2006/relationships" xmlns:p="http://schemas.openxmlformats.org/presentationml/2006/main" matchingName="Background 1">
   <p:cSld name="CUSTOM_9_1">
     <p:spTree>
@@ -13546,7 +13532,7 @@
 </p:sldLayout>
 </file>
 
-<file path=ppt/slideLayouts/slideLayout7.xml><?xml version="1.0" encoding="utf-8"?>
+<file path=ppt/slideLayouts/slideLayout6.xml><?xml version="1.0" encoding="utf-8"?>
 <p:sldLayout xmlns:a="http://schemas.openxmlformats.org/drawingml/2006/main" xmlns:r="http://schemas.openxmlformats.org/officeDocument/2006/relationships" xmlns:p="http://schemas.openxmlformats.org/presentationml/2006/main" matchingName="Title only">
   <p:cSld name="CUSTOM">
     <p:spTree>
@@ -13704,7 +13690,7 @@
 </p:sldLayout>
 </file>
 
-<file path=ppt/slideLayouts/slideLayout8.xml><?xml version="1.0" encoding="utf-8"?>
+<file path=ppt/slideLayouts/slideLayout7.xml><?xml version="1.0" encoding="utf-8"?>
 <p:sldLayout xmlns:a="http://schemas.openxmlformats.org/drawingml/2006/main" xmlns:r="http://schemas.openxmlformats.org/officeDocument/2006/relationships" xmlns:p="http://schemas.openxmlformats.org/presentationml/2006/main" preserve="1">
   <p:cSld name="DEFAULT">
     <p:bg>
@@ -14274,10 +14260,9 @@
   <p:sldLayoutIdLst>
     <p:sldLayoutId id="2147483648" r:id="rId1"/>
     <p:sldLayoutId id="2147483650" r:id="rId2"/>
-    <p:sldLayoutId id="2147483658" r:id="rId3"/>
-    <p:sldLayoutId id="2147483669" r:id="rId4"/>
-    <p:sldLayoutId id="2147483670" r:id="rId5"/>
-    <p:sldLayoutId id="2147483671" r:id="rId6"/>
+    <p:sldLayoutId id="2147483669" r:id="rId3"/>
+    <p:sldLayoutId id="2147483670" r:id="rId4"/>
+    <p:sldLayoutId id="2147483671" r:id="rId5"/>
   </p:sldLayoutIdLst>
   <p:hf sldNum="0" hdr="0" ftr="0" dt="0"/>
   <p:txStyles>
@@ -18329,6 +18314,2067 @@
 <file path=ppt/slides/slide10.xml><?xml version="1.0" encoding="utf-8"?>
 <p:sld xmlns:a="http://schemas.openxmlformats.org/drawingml/2006/main" xmlns:r="http://schemas.openxmlformats.org/officeDocument/2006/relationships" xmlns:p="http://schemas.openxmlformats.org/presentationml/2006/main">
   <p:cSld>
+    <p:spTree>
+      <p:nvGrpSpPr>
+        <p:cNvPr id="1" name=""/>
+        <p:cNvGrpSpPr/>
+        <p:nvPr/>
+      </p:nvGrpSpPr>
+      <p:grpSpPr>
+        <a:xfrm>
+          <a:off x="0" y="0"/>
+          <a:ext cx="0" cy="0"/>
+          <a:chOff x="0" y="0"/>
+          <a:chExt cx="0" cy="0"/>
+        </a:xfrm>
+      </p:grpSpPr>
+      <p:sp>
+        <p:nvSpPr>
+          <p:cNvPr id="2" name="TextBox 1">
+            <a:extLst>
+              <a:ext uri="{FF2B5EF4-FFF2-40B4-BE49-F238E27FC236}">
+                <a16:creationId xmlns:a16="http://schemas.microsoft.com/office/drawing/2014/main" id="{928F28FA-B328-6002-437C-D1D5A5B7FBF5}"/>
+              </a:ext>
+            </a:extLst>
+          </p:cNvPr>
+          <p:cNvSpPr txBox="1"/>
+          <p:nvPr/>
+        </p:nvSpPr>
+        <p:spPr>
+          <a:xfrm>
+            <a:off x="237893" y="327102"/>
+            <a:ext cx="8772292" cy="3754874"/>
+          </a:xfrm>
+          <a:prstGeom prst="rect">
+            <a:avLst/>
+          </a:prstGeom>
+          <a:noFill/>
+        </p:spPr>
+        <p:txBody>
+          <a:bodyPr wrap="square" rtlCol="0">
+            <a:spAutoFit/>
+          </a:bodyPr>
+          <a:lstStyle/>
+          <a:p>
+            <a:pPr>
+              <a:lnSpc>
+                <a:spcPct val="150000"/>
+              </a:lnSpc>
+            </a:pPr>
+            <a:r>
+              <a:rPr lang="en-US" b="1" dirty="0"/>
+              <a:t>• Find answers fast with industry-leading AI.</a:t>
+            </a:r>
+          </a:p>
+          <a:p>
+            <a:r>
+              <a:rPr lang="en-US" dirty="0"/>
+              <a:t>   Take advantage of the latest advances in Microsoft AI to help non-data scientists prepare</a:t>
+            </a:r>
+          </a:p>
+          <a:p>
+            <a:r>
+              <a:rPr lang="en-US" dirty="0"/>
+              <a:t>   data, build machine learning models, and find insights quickly from both structured and</a:t>
+            </a:r>
+          </a:p>
+          <a:p>
+            <a:r>
+              <a:rPr lang="en-US" dirty="0"/>
+              <a:t>   unstructured data, including text and images.</a:t>
+            </a:r>
+          </a:p>
+          <a:p>
+            <a:pPr>
+              <a:lnSpc>
+                <a:spcPct val="150000"/>
+              </a:lnSpc>
+            </a:pPr>
+            <a:r>
+              <a:rPr lang="en-US" b="1" dirty="0"/>
+              <a:t>• Get unparalleled Excel integration.</a:t>
+            </a:r>
+          </a:p>
+          <a:p>
+            <a:r>
+              <a:rPr lang="en-US" dirty="0"/>
+              <a:t>   Anyone who’s familiar with Office 365 can easily connect Excel queries, data models, and</a:t>
+            </a:r>
+          </a:p>
+          <a:p>
+            <a:r>
+              <a:rPr lang="en-US" dirty="0"/>
+              <a:t>   reports to Power BI Dashboards—helping to quickly gather, analyze, publish, and share</a:t>
+            </a:r>
+          </a:p>
+          <a:p>
+            <a:r>
+              <a:rPr lang="en-US" dirty="0"/>
+              <a:t>   Excel business data in new ways.</a:t>
+            </a:r>
+          </a:p>
+          <a:p>
+            <a:pPr>
+              <a:lnSpc>
+                <a:spcPct val="150000"/>
+              </a:lnSpc>
+            </a:pPr>
+            <a:r>
+              <a:rPr lang="en-US" b="1" dirty="0"/>
+              <a:t>• Turn insights into action.</a:t>
+            </a:r>
+          </a:p>
+          <a:p>
+            <a:r>
+              <a:rPr lang="en-US" dirty="0"/>
+              <a:t>   Go from data to insights and insights to action with the Microsoft Power Platform—</a:t>
+            </a:r>
+          </a:p>
+          <a:p>
+            <a:r>
+              <a:rPr lang="en-US" dirty="0"/>
+              <a:t>   combining Power BI with PowerApps and Power Automate to easily build business</a:t>
+            </a:r>
+          </a:p>
+          <a:p>
+            <a:r>
+              <a:rPr lang="en-US" dirty="0"/>
+              <a:t>   applications and automate workflows.</a:t>
+            </a:r>
+          </a:p>
+          <a:p>
+            <a:pPr>
+              <a:lnSpc>
+                <a:spcPct val="150000"/>
+              </a:lnSpc>
+            </a:pPr>
+            <a:r>
+              <a:rPr lang="en-US" b="1" dirty="0"/>
+              <a:t>• Stream analytics in real time</a:t>
+            </a:r>
+          </a:p>
+          <a:p>
+            <a:r>
+              <a:rPr lang="en-US" dirty="0"/>
+              <a:t>   Know what’s happening now, not just in the past. From factory sensors to social media</a:t>
+            </a:r>
+          </a:p>
+          <a:p>
+            <a:r>
+              <a:rPr lang="en-US" dirty="0"/>
+              <a:t>   sources, get access to real-time analytics so you’re always ready to make timely decisions.</a:t>
+            </a:r>
+          </a:p>
+        </p:txBody>
+      </p:sp>
+    </p:spTree>
+    <p:extLst>
+      <p:ext uri="{BB962C8B-B14F-4D97-AF65-F5344CB8AC3E}">
+        <p14:creationId xmlns:p14="http://schemas.microsoft.com/office/powerpoint/2010/main" val="1358288464"/>
+      </p:ext>
+    </p:extLst>
+  </p:cSld>
+  <p:clrMapOvr>
+    <a:masterClrMapping/>
+  </p:clrMapOvr>
+</p:sld>
+</file>
+
+<file path=ppt/slides/slide11.xml><?xml version="1.0" encoding="utf-8"?>
+<p:sld xmlns:a="http://schemas.openxmlformats.org/drawingml/2006/main" xmlns:r="http://schemas.openxmlformats.org/officeDocument/2006/relationships" xmlns:p="http://schemas.openxmlformats.org/presentationml/2006/main">
+  <p:cSld>
+    <p:spTree>
+      <p:nvGrpSpPr>
+        <p:cNvPr id="1" name=""/>
+        <p:cNvGrpSpPr/>
+        <p:nvPr/>
+      </p:nvGrpSpPr>
+      <p:grpSpPr>
+        <a:xfrm>
+          <a:off x="0" y="0"/>
+          <a:ext cx="0" cy="0"/>
+          <a:chOff x="0" y="0"/>
+          <a:chExt cx="0" cy="0"/>
+        </a:xfrm>
+      </p:grpSpPr>
+      <p:pic>
+        <p:nvPicPr>
+          <p:cNvPr id="4" name="Picture 3">
+            <a:extLst>
+              <a:ext uri="{FF2B5EF4-FFF2-40B4-BE49-F238E27FC236}">
+                <a16:creationId xmlns:a16="http://schemas.microsoft.com/office/drawing/2014/main" id="{5E5C1537-0F4F-AAEE-AC6F-375533219FF9}"/>
+              </a:ext>
+            </a:extLst>
+          </p:cNvPr>
+          <p:cNvPicPr>
+            <a:picLocks noChangeAspect="1"/>
+          </p:cNvPicPr>
+          <p:nvPr/>
+        </p:nvPicPr>
+        <p:blipFill>
+          <a:blip r:embed="rId2"/>
+          <a:stretch>
+            <a:fillRect/>
+          </a:stretch>
+        </p:blipFill>
+        <p:spPr>
+          <a:xfrm>
+            <a:off x="0" y="110145"/>
+            <a:ext cx="9144000" cy="4923209"/>
+          </a:xfrm>
+          <a:prstGeom prst="roundRect">
+            <a:avLst>
+              <a:gd name="adj" fmla="val 16667"/>
+            </a:avLst>
+          </a:prstGeom>
+          <a:ln>
+            <a:noFill/>
+          </a:ln>
+          <a:effectLst>
+            <a:outerShdw blurRad="76200" dist="38100" dir="7800000" algn="tl" rotWithShape="0">
+              <a:srgbClr val="000000">
+                <a:alpha val="40000"/>
+              </a:srgbClr>
+            </a:outerShdw>
+          </a:effectLst>
+          <a:scene3d>
+            <a:camera prst="orthographicFront"/>
+            <a:lightRig rig="contrasting" dir="t">
+              <a:rot lat="0" lon="0" rev="4200000"/>
+            </a:lightRig>
+          </a:scene3d>
+          <a:sp3d prstMaterial="plastic">
+            <a:bevelT w="381000" h="114300" prst="relaxedInset"/>
+            <a:contourClr>
+              <a:srgbClr val="969696"/>
+            </a:contourClr>
+          </a:sp3d>
+        </p:spPr>
+      </p:pic>
+    </p:spTree>
+    <p:extLst>
+      <p:ext uri="{BB962C8B-B14F-4D97-AF65-F5344CB8AC3E}">
+        <p14:creationId xmlns:p14="http://schemas.microsoft.com/office/powerpoint/2010/main" val="159013651"/>
+      </p:ext>
+    </p:extLst>
+  </p:cSld>
+  <p:clrMapOvr>
+    <a:masterClrMapping/>
+  </p:clrMapOvr>
+</p:sld>
+</file>
+
+<file path=ppt/slides/slide12.xml><?xml version="1.0" encoding="utf-8"?>
+<p:sld xmlns:a="http://schemas.openxmlformats.org/drawingml/2006/main" xmlns:r="http://schemas.openxmlformats.org/officeDocument/2006/relationships" xmlns:p="http://schemas.openxmlformats.org/presentationml/2006/main">
+  <p:cSld>
+    <p:spTree>
+      <p:nvGrpSpPr>
+        <p:cNvPr id="1" name=""/>
+        <p:cNvGrpSpPr/>
+        <p:nvPr/>
+      </p:nvGrpSpPr>
+      <p:grpSpPr>
+        <a:xfrm>
+          <a:off x="0" y="0"/>
+          <a:ext cx="0" cy="0"/>
+          <a:chOff x="0" y="0"/>
+          <a:chExt cx="0" cy="0"/>
+        </a:xfrm>
+      </p:grpSpPr>
+      <p:pic>
+        <p:nvPicPr>
+          <p:cNvPr id="4" name="Picture 3">
+            <a:extLst>
+              <a:ext uri="{FF2B5EF4-FFF2-40B4-BE49-F238E27FC236}">
+                <a16:creationId xmlns:a16="http://schemas.microsoft.com/office/drawing/2014/main" id="{E3349E03-0691-8E1B-1B22-F877F2B354C0}"/>
+              </a:ext>
+            </a:extLst>
+          </p:cNvPr>
+          <p:cNvPicPr>
+            <a:picLocks noChangeAspect="1"/>
+          </p:cNvPicPr>
+          <p:nvPr/>
+        </p:nvPicPr>
+        <p:blipFill>
+          <a:blip r:embed="rId2"/>
+          <a:stretch>
+            <a:fillRect/>
+          </a:stretch>
+        </p:blipFill>
+        <p:spPr>
+          <a:xfrm>
+            <a:off x="0" y="0"/>
+            <a:ext cx="9144000" cy="5143500"/>
+          </a:xfrm>
+          <a:prstGeom prst="rect">
+            <a:avLst/>
+          </a:prstGeom>
+        </p:spPr>
+      </p:pic>
+    </p:spTree>
+    <p:extLst>
+      <p:ext uri="{BB962C8B-B14F-4D97-AF65-F5344CB8AC3E}">
+        <p14:creationId xmlns:p14="http://schemas.microsoft.com/office/powerpoint/2010/main" val="1868175665"/>
+      </p:ext>
+    </p:extLst>
+  </p:cSld>
+  <p:clrMapOvr>
+    <a:masterClrMapping/>
+  </p:clrMapOvr>
+</p:sld>
+</file>
+
+<file path=ppt/slides/slide13.xml><?xml version="1.0" encoding="utf-8"?>
+<p:sld xmlns:a="http://schemas.openxmlformats.org/drawingml/2006/main" xmlns:r="http://schemas.openxmlformats.org/officeDocument/2006/relationships" xmlns:p="http://schemas.openxmlformats.org/presentationml/2006/main">
+  <p:cSld>
+    <p:bg>
+      <p:bgPr>
+        <a:solidFill>
+          <a:schemeClr val="bg1"/>
+        </a:solidFill>
+        <a:effectLst/>
+      </p:bgPr>
+    </p:bg>
+    <p:spTree>
+      <p:nvGrpSpPr>
+        <p:cNvPr id="1" name=""/>
+        <p:cNvGrpSpPr/>
+        <p:nvPr/>
+      </p:nvGrpSpPr>
+      <p:grpSpPr>
+        <a:xfrm>
+          <a:off x="0" y="0"/>
+          <a:ext cx="0" cy="0"/>
+          <a:chOff x="0" y="0"/>
+          <a:chExt cx="0" cy="0"/>
+        </a:xfrm>
+      </p:grpSpPr>
+      <p:sp>
+        <p:nvSpPr>
+          <p:cNvPr id="8" name="Rectangle 7">
+            <a:extLst>
+              <a:ext uri="{FF2B5EF4-FFF2-40B4-BE49-F238E27FC236}">
+                <a16:creationId xmlns:a16="http://schemas.microsoft.com/office/drawing/2014/main" id="{F3060C83-F051-4F0E-ABAD-AA0DFC48B218}"/>
+              </a:ext>
+              <a:ext uri="{C183D7F6-B498-43B3-948B-1728B52AA6E4}">
+                <adec:decorative xmlns:adec="http://schemas.microsoft.com/office/drawing/2017/decorative" val="1"/>
+              </a:ext>
+            </a:extLst>
+          </p:cNvPr>
+          <p:cNvSpPr>
+            <a:spLocks noGrp="1" noRot="1" noChangeAspect="1" noMove="1" noResize="1" noEditPoints="1" noAdjustHandles="1" noChangeArrowheads="1" noChangeShapeType="1" noTextEdit="1"/>
+          </p:cNvSpPr>
+          <p:nvPr>
+            <p:extLst>
+              <p:ext uri="{386F3935-93C4-4BCD-93E2-E3B085C9AB24}">
+                <p16:designElem xmlns:p16="http://schemas.microsoft.com/office/powerpoint/2015/main" val="1"/>
+              </p:ext>
+            </p:extLst>
+          </p:nvPr>
+        </p:nvSpPr>
+        <p:spPr>
+          <a:xfrm>
+            <a:off x="0" y="0"/>
+            <a:ext cx="9144000" cy="5143500"/>
+          </a:xfrm>
+          <a:prstGeom prst="rect">
+            <a:avLst/>
+          </a:prstGeom>
+          <a:solidFill>
+            <a:schemeClr val="bg1"/>
+          </a:solidFill>
+          <a:ln>
+            <a:noFill/>
+          </a:ln>
+        </p:spPr>
+        <p:style>
+          <a:lnRef idx="2">
+            <a:schemeClr val="accent1">
+              <a:shade val="50000"/>
+            </a:schemeClr>
+          </a:lnRef>
+          <a:fillRef idx="1">
+            <a:schemeClr val="accent1"/>
+          </a:fillRef>
+          <a:effectRef idx="0">
+            <a:schemeClr val="accent1"/>
+          </a:effectRef>
+          <a:fontRef idx="minor">
+            <a:schemeClr val="lt1"/>
+          </a:fontRef>
+        </p:style>
+        <p:txBody>
+          <a:bodyPr rtlCol="0" anchor="ctr"/>
+          <a:lstStyle/>
+          <a:p>
+            <a:pPr algn="ctr"/>
+            <a:endParaRPr lang="en-US" dirty="0"/>
+          </a:p>
+        </p:txBody>
+      </p:sp>
+      <p:sp>
+        <p:nvSpPr>
+          <p:cNvPr id="10" name="Freeform: Shape 9">
+            <a:extLst>
+              <a:ext uri="{FF2B5EF4-FFF2-40B4-BE49-F238E27FC236}">
+                <a16:creationId xmlns:a16="http://schemas.microsoft.com/office/drawing/2014/main" id="{83C98ABE-055B-441F-B07E-44F97F083C39}"/>
+              </a:ext>
+              <a:ext uri="{C183D7F6-B498-43B3-948B-1728B52AA6E4}">
+                <adec:decorative xmlns:adec="http://schemas.microsoft.com/office/drawing/2017/decorative" val="1"/>
+              </a:ext>
+            </a:extLst>
+          </p:cNvPr>
+          <p:cNvSpPr>
+            <a:spLocks noGrp="1" noRot="1" noChangeAspect="1" noMove="1" noResize="1" noEditPoints="1" noAdjustHandles="1" noChangeArrowheads="1" noChangeShapeType="1" noTextEdit="1"/>
+          </p:cNvSpPr>
+          <p:nvPr>
+            <p:extLst>
+              <p:ext uri="{386F3935-93C4-4BCD-93E2-E3B085C9AB24}">
+                <p16:designElem xmlns:p16="http://schemas.microsoft.com/office/powerpoint/2015/main" val="1"/>
+              </p:ext>
+            </p:extLst>
+          </p:nvPr>
+        </p:nvSpPr>
+        <p:spPr>
+          <a:xfrm rot="18900000" flipH="1">
+            <a:off x="-282117" y="-190252"/>
+            <a:ext cx="1370728" cy="1032741"/>
+          </a:xfrm>
+          <a:custGeom>
+            <a:avLst/>
+            <a:gdLst>
+              <a:gd name="connsiteX0" fmla="*/ 0 w 1827638"/>
+              <a:gd name="connsiteY0" fmla="*/ 987379 h 1376989"/>
+              <a:gd name="connsiteX1" fmla="*/ 987379 w 1827638"/>
+              <a:gd name="connsiteY1" fmla="*/ 0 h 1376989"/>
+              <a:gd name="connsiteX2" fmla="*/ 1827638 w 1827638"/>
+              <a:gd name="connsiteY2" fmla="*/ 840260 h 1376989"/>
+              <a:gd name="connsiteX3" fmla="*/ 1827638 w 1827638"/>
+              <a:gd name="connsiteY3" fmla="*/ 1376989 h 1376989"/>
+              <a:gd name="connsiteX4" fmla="*/ 0 w 1827638"/>
+              <a:gd name="connsiteY4" fmla="*/ 1376989 h 1376989"/>
+            </a:gdLst>
+            <a:ahLst/>
+            <a:cxnLst>
+              <a:cxn ang="0">
+                <a:pos x="connsiteX0" y="connsiteY0"/>
+              </a:cxn>
+              <a:cxn ang="0">
+                <a:pos x="connsiteX1" y="connsiteY1"/>
+              </a:cxn>
+              <a:cxn ang="0">
+                <a:pos x="connsiteX2" y="connsiteY2"/>
+              </a:cxn>
+              <a:cxn ang="0">
+                <a:pos x="connsiteX3" y="connsiteY3"/>
+              </a:cxn>
+              <a:cxn ang="0">
+                <a:pos x="connsiteX4" y="connsiteY4"/>
+              </a:cxn>
+            </a:cxnLst>
+            <a:rect l="l" t="t" r="r" b="b"/>
+            <a:pathLst>
+              <a:path w="1827638" h="1376989">
+                <a:moveTo>
+                  <a:pt x="0" y="987379"/>
+                </a:moveTo>
+                <a:lnTo>
+                  <a:pt x="987379" y="0"/>
+                </a:lnTo>
+                <a:lnTo>
+                  <a:pt x="1827638" y="840260"/>
+                </a:lnTo>
+                <a:lnTo>
+                  <a:pt x="1827638" y="1376989"/>
+                </a:lnTo>
+                <a:lnTo>
+                  <a:pt x="0" y="1376989"/>
+                </a:lnTo>
+                <a:close/>
+              </a:path>
+            </a:pathLst>
+          </a:custGeom>
+          <a:solidFill>
+            <a:schemeClr val="accent1">
+              <a:alpha val="30000"/>
+            </a:schemeClr>
+          </a:solidFill>
+          <a:ln>
+            <a:noFill/>
+          </a:ln>
+        </p:spPr>
+        <p:style>
+          <a:lnRef idx="2">
+            <a:schemeClr val="accent1">
+              <a:shade val="50000"/>
+            </a:schemeClr>
+          </a:lnRef>
+          <a:fillRef idx="1">
+            <a:schemeClr val="accent1"/>
+          </a:fillRef>
+          <a:effectRef idx="0">
+            <a:schemeClr val="accent1"/>
+          </a:effectRef>
+          <a:fontRef idx="minor">
+            <a:schemeClr val="lt1"/>
+          </a:fontRef>
+        </p:style>
+        <p:txBody>
+          <a:bodyPr rtlCol="0" anchor="ctr"/>
+          <a:lstStyle/>
+          <a:p>
+            <a:pPr algn="ctr"/>
+            <a:endParaRPr lang="en-US" dirty="0"/>
+          </a:p>
+        </p:txBody>
+      </p:sp>
+      <p:sp>
+        <p:nvSpPr>
+          <p:cNvPr id="12" name="Rectangle 11">
+            <a:extLst>
+              <a:ext uri="{FF2B5EF4-FFF2-40B4-BE49-F238E27FC236}">
+                <a16:creationId xmlns:a16="http://schemas.microsoft.com/office/drawing/2014/main" id="{29FDB030-9B49-4CED-8CCD-4D99382388AC}"/>
+              </a:ext>
+              <a:ext uri="{C183D7F6-B498-43B3-948B-1728B52AA6E4}">
+                <adec:decorative xmlns:adec="http://schemas.microsoft.com/office/drawing/2017/decorative" val="1"/>
+              </a:ext>
+            </a:extLst>
+          </p:cNvPr>
+          <p:cNvSpPr>
+            <a:spLocks noGrp="1" noRot="1" noChangeAspect="1" noMove="1" noResize="1" noEditPoints="1" noAdjustHandles="1" noChangeArrowheads="1" noChangeShapeType="1" noTextEdit="1"/>
+          </p:cNvSpPr>
+          <p:nvPr>
+            <p:extLst>
+              <p:ext uri="{386F3935-93C4-4BCD-93E2-E3B085C9AB24}">
+                <p16:designElem xmlns:p16="http://schemas.microsoft.com/office/powerpoint/2015/main" val="1"/>
+              </p:ext>
+            </p:extLst>
+          </p:nvPr>
+        </p:nvSpPr>
+        <p:spPr>
+          <a:xfrm rot="18900000" flipH="1">
+            <a:off x="668730" y="316609"/>
+            <a:ext cx="484026" cy="484026"/>
+          </a:xfrm>
+          <a:prstGeom prst="rect">
+            <a:avLst/>
+          </a:prstGeom>
+          <a:solidFill>
+            <a:schemeClr val="accent1">
+              <a:alpha val="30000"/>
+            </a:schemeClr>
+          </a:solidFill>
+          <a:ln>
+            <a:noFill/>
+          </a:ln>
+        </p:spPr>
+        <p:style>
+          <a:lnRef idx="2">
+            <a:schemeClr val="accent1">
+              <a:shade val="50000"/>
+            </a:schemeClr>
+          </a:lnRef>
+          <a:fillRef idx="1">
+            <a:schemeClr val="accent1"/>
+          </a:fillRef>
+          <a:effectRef idx="0">
+            <a:schemeClr val="accent1"/>
+          </a:effectRef>
+          <a:fontRef idx="minor">
+            <a:schemeClr val="lt1"/>
+          </a:fontRef>
+        </p:style>
+        <p:txBody>
+          <a:bodyPr rtlCol="0" anchor="ctr"/>
+          <a:lstStyle/>
+          <a:p>
+            <a:pPr algn="ctr"/>
+            <a:endParaRPr lang="en-US"/>
+          </a:p>
+        </p:txBody>
+      </p:sp>
+      <p:sp>
+        <p:nvSpPr>
+          <p:cNvPr id="14" name="Rectangle 13">
+            <a:extLst>
+              <a:ext uri="{FF2B5EF4-FFF2-40B4-BE49-F238E27FC236}">
+                <a16:creationId xmlns:a16="http://schemas.microsoft.com/office/drawing/2014/main" id="{3783CA14-24A1-485C-8B30-D6A5D87987AD}"/>
+              </a:ext>
+              <a:ext uri="{C183D7F6-B498-43B3-948B-1728B52AA6E4}">
+                <adec:decorative xmlns:adec="http://schemas.microsoft.com/office/drawing/2017/decorative" val="1"/>
+              </a:ext>
+            </a:extLst>
+          </p:cNvPr>
+          <p:cNvSpPr>
+            <a:spLocks noGrp="1" noRot="1" noChangeAspect="1" noMove="1" noResize="1" noEditPoints="1" noAdjustHandles="1" noChangeArrowheads="1" noChangeShapeType="1" noTextEdit="1"/>
+          </p:cNvSpPr>
+          <p:nvPr>
+            <p:extLst>
+              <p:ext uri="{386F3935-93C4-4BCD-93E2-E3B085C9AB24}">
+                <p16:designElem xmlns:p16="http://schemas.microsoft.com/office/powerpoint/2015/main" val="1"/>
+              </p:ext>
+            </p:extLst>
+          </p:nvPr>
+        </p:nvSpPr>
+        <p:spPr>
+          <a:xfrm rot="18900000" flipH="1">
+            <a:off x="7532611" y="491355"/>
+            <a:ext cx="515604" cy="515604"/>
+          </a:xfrm>
+          <a:prstGeom prst="rect">
+            <a:avLst/>
+          </a:prstGeom>
+          <a:solidFill>
+            <a:schemeClr val="accent4">
+              <a:alpha val="30000"/>
+            </a:schemeClr>
+          </a:solidFill>
+          <a:ln>
+            <a:noFill/>
+          </a:ln>
+        </p:spPr>
+        <p:style>
+          <a:lnRef idx="2">
+            <a:schemeClr val="accent1">
+              <a:shade val="50000"/>
+            </a:schemeClr>
+          </a:lnRef>
+          <a:fillRef idx="1">
+            <a:schemeClr val="accent1"/>
+          </a:fillRef>
+          <a:effectRef idx="0">
+            <a:schemeClr val="accent1"/>
+          </a:effectRef>
+          <a:fontRef idx="minor">
+            <a:schemeClr val="lt1"/>
+          </a:fontRef>
+        </p:style>
+        <p:txBody>
+          <a:bodyPr rtlCol="0" anchor="ctr"/>
+          <a:lstStyle/>
+          <a:p>
+            <a:pPr algn="ctr"/>
+            <a:endParaRPr lang="en-US"/>
+          </a:p>
+        </p:txBody>
+      </p:sp>
+      <p:sp>
+        <p:nvSpPr>
+          <p:cNvPr id="16" name="Freeform: Shape 15">
+            <a:extLst>
+              <a:ext uri="{FF2B5EF4-FFF2-40B4-BE49-F238E27FC236}">
+                <a16:creationId xmlns:a16="http://schemas.microsoft.com/office/drawing/2014/main" id="{9A97C86A-04D6-40F7-AE84-31AB43E6A846}"/>
+              </a:ext>
+              <a:ext uri="{C183D7F6-B498-43B3-948B-1728B52AA6E4}">
+                <adec:decorative xmlns:adec="http://schemas.microsoft.com/office/drawing/2017/decorative" val="1"/>
+              </a:ext>
+            </a:extLst>
+          </p:cNvPr>
+          <p:cNvSpPr>
+            <a:spLocks noGrp="1" noRot="1" noChangeAspect="1" noMove="1" noResize="1" noEditPoints="1" noAdjustHandles="1" noChangeArrowheads="1" noChangeShapeType="1" noTextEdit="1"/>
+          </p:cNvSpPr>
+          <p:nvPr>
+            <p:extLst>
+              <p:ext uri="{386F3935-93C4-4BCD-93E2-E3B085C9AB24}">
+                <p16:designElem xmlns:p16="http://schemas.microsoft.com/office/powerpoint/2015/main" val="1"/>
+              </p:ext>
+            </p:extLst>
+          </p:nvPr>
+        </p:nvSpPr>
+        <p:spPr>
+          <a:xfrm rot="10800000" flipH="1">
+            <a:off x="7017482" y="0"/>
+            <a:ext cx="2126518" cy="1110627"/>
+          </a:xfrm>
+          <a:custGeom>
+            <a:avLst/>
+            <a:gdLst>
+              <a:gd name="connsiteX0" fmla="*/ 2835357 w 2835357"/>
+              <a:gd name="connsiteY0" fmla="*/ 1480837 h 1480837"/>
+              <a:gd name="connsiteX1" fmla="*/ 0 w 2835357"/>
+              <a:gd name="connsiteY1" fmla="*/ 1480837 h 1480837"/>
+              <a:gd name="connsiteX2" fmla="*/ 1552727 w 2835357"/>
+              <a:gd name="connsiteY2" fmla="*/ 0 h 1480837"/>
+              <a:gd name="connsiteX3" fmla="*/ 2835357 w 2835357"/>
+              <a:gd name="connsiteY3" fmla="*/ 1223245 h 1480837"/>
+            </a:gdLst>
+            <a:ahLst/>
+            <a:cxnLst>
+              <a:cxn ang="0">
+                <a:pos x="connsiteX0" y="connsiteY0"/>
+              </a:cxn>
+              <a:cxn ang="0">
+                <a:pos x="connsiteX1" y="connsiteY1"/>
+              </a:cxn>
+              <a:cxn ang="0">
+                <a:pos x="connsiteX2" y="connsiteY2"/>
+              </a:cxn>
+              <a:cxn ang="0">
+                <a:pos x="connsiteX3" y="connsiteY3"/>
+              </a:cxn>
+            </a:cxnLst>
+            <a:rect l="l" t="t" r="r" b="b"/>
+            <a:pathLst>
+              <a:path w="2835357" h="1480837">
+                <a:moveTo>
+                  <a:pt x="2835357" y="1480837"/>
+                </a:moveTo>
+                <a:lnTo>
+                  <a:pt x="0" y="1480837"/>
+                </a:lnTo>
+                <a:lnTo>
+                  <a:pt x="1552727" y="0"/>
+                </a:lnTo>
+                <a:lnTo>
+                  <a:pt x="2835357" y="1223245"/>
+                </a:lnTo>
+                <a:close/>
+              </a:path>
+            </a:pathLst>
+          </a:custGeom>
+          <a:solidFill>
+            <a:schemeClr val="accent4">
+              <a:alpha val="30000"/>
+            </a:schemeClr>
+          </a:solidFill>
+          <a:ln>
+            <a:noFill/>
+          </a:ln>
+        </p:spPr>
+        <p:style>
+          <a:lnRef idx="2">
+            <a:schemeClr val="accent1">
+              <a:shade val="50000"/>
+            </a:schemeClr>
+          </a:lnRef>
+          <a:fillRef idx="1">
+            <a:schemeClr val="accent1"/>
+          </a:fillRef>
+          <a:effectRef idx="0">
+            <a:schemeClr val="accent1"/>
+          </a:effectRef>
+          <a:fontRef idx="minor">
+            <a:schemeClr val="lt1"/>
+          </a:fontRef>
+        </p:style>
+        <p:txBody>
+          <a:bodyPr wrap="square" rtlCol="0" anchor="ctr">
+            <a:noAutofit/>
+          </a:bodyPr>
+          <a:lstStyle/>
+          <a:p>
+            <a:pPr algn="ctr"/>
+            <a:endParaRPr lang="en-US" dirty="0"/>
+          </a:p>
+        </p:txBody>
+      </p:sp>
+      <p:sp>
+        <p:nvSpPr>
+          <p:cNvPr id="18" name="Isosceles Triangle 17">
+            <a:extLst>
+              <a:ext uri="{FF2B5EF4-FFF2-40B4-BE49-F238E27FC236}">
+                <a16:creationId xmlns:a16="http://schemas.microsoft.com/office/drawing/2014/main" id="{FF9F2414-84E8-453E-B1F3-389FDE8192D9}"/>
+              </a:ext>
+              <a:ext uri="{C183D7F6-B498-43B3-948B-1728B52AA6E4}">
+                <adec:decorative xmlns:adec="http://schemas.microsoft.com/office/drawing/2017/decorative" val="1"/>
+              </a:ext>
+            </a:extLst>
+          </p:cNvPr>
+          <p:cNvSpPr>
+            <a:spLocks noGrp="1" noRot="1" noChangeAspect="1" noMove="1" noResize="1" noEditPoints="1" noAdjustHandles="1" noChangeArrowheads="1" noChangeShapeType="1" noTextEdit="1"/>
+          </p:cNvSpPr>
+          <p:nvPr>
+            <p:extLst>
+              <p:ext uri="{386F3935-93C4-4BCD-93E2-E3B085C9AB24}">
+                <p16:designElem xmlns:p16="http://schemas.microsoft.com/office/powerpoint/2015/main" val="1"/>
+              </p:ext>
+            </p:extLst>
+          </p:nvPr>
+        </p:nvSpPr>
+        <p:spPr>
+          <a:xfrm flipH="1">
+            <a:off x="5982258" y="4586625"/>
+            <a:ext cx="1120884" cy="556875"/>
+          </a:xfrm>
+          <a:prstGeom prst="triangle">
+            <a:avLst/>
+          </a:prstGeom>
+          <a:solidFill>
+            <a:schemeClr val="accent1">
+              <a:alpha val="30000"/>
+            </a:schemeClr>
+          </a:solidFill>
+          <a:ln>
+            <a:noFill/>
+          </a:ln>
+        </p:spPr>
+        <p:style>
+          <a:lnRef idx="2">
+            <a:schemeClr val="accent1">
+              <a:shade val="50000"/>
+            </a:schemeClr>
+          </a:lnRef>
+          <a:fillRef idx="1">
+            <a:schemeClr val="accent1"/>
+          </a:fillRef>
+          <a:effectRef idx="0">
+            <a:schemeClr val="accent1"/>
+          </a:effectRef>
+          <a:fontRef idx="minor">
+            <a:schemeClr val="lt1"/>
+          </a:fontRef>
+        </p:style>
+        <p:txBody>
+          <a:bodyPr rtlCol="0" anchor="ctr"/>
+          <a:lstStyle/>
+          <a:p>
+            <a:pPr algn="ctr"/>
+            <a:endParaRPr lang="en-US"/>
+          </a:p>
+        </p:txBody>
+      </p:sp>
+      <p:pic>
+        <p:nvPicPr>
+          <p:cNvPr id="3" name="Picture 2">
+            <a:extLst>
+              <a:ext uri="{FF2B5EF4-FFF2-40B4-BE49-F238E27FC236}">
+                <a16:creationId xmlns:a16="http://schemas.microsoft.com/office/drawing/2014/main" id="{31A29FA9-C0D3-7932-701E-581E83E82F71}"/>
+              </a:ext>
+            </a:extLst>
+          </p:cNvPr>
+          <p:cNvPicPr>
+            <a:picLocks noChangeAspect="1"/>
+          </p:cNvPicPr>
+          <p:nvPr/>
+        </p:nvPicPr>
+        <p:blipFill rotWithShape="1">
+          <a:blip r:embed="rId2"/>
+          <a:srcRect l="5194" r="5194"/>
+          <a:stretch/>
+        </p:blipFill>
+        <p:spPr>
+          <a:xfrm>
+            <a:off x="904934" y="482600"/>
+            <a:ext cx="7334132" cy="4276331"/>
+          </a:xfrm>
+          <a:prstGeom prst="roundRect">
+            <a:avLst>
+              <a:gd name="adj" fmla="val 16667"/>
+            </a:avLst>
+          </a:prstGeom>
+          <a:ln>
+            <a:noFill/>
+          </a:ln>
+          <a:effectLst>
+            <a:outerShdw blurRad="76200" dist="38100" dir="7800000" algn="tl" rotWithShape="0">
+              <a:srgbClr val="000000">
+                <a:alpha val="40000"/>
+              </a:srgbClr>
+            </a:outerShdw>
+          </a:effectLst>
+          <a:scene3d>
+            <a:camera prst="orthographicFront"/>
+            <a:lightRig rig="contrasting" dir="t">
+              <a:rot lat="0" lon="0" rev="4200000"/>
+            </a:lightRig>
+          </a:scene3d>
+          <a:sp3d prstMaterial="plastic">
+            <a:bevelT w="381000" h="114300" prst="relaxedInset"/>
+            <a:contourClr>
+              <a:srgbClr val="969696"/>
+            </a:contourClr>
+          </a:sp3d>
+        </p:spPr>
+      </p:pic>
+      <p:sp>
+        <p:nvSpPr>
+          <p:cNvPr id="20" name="Isosceles Triangle 19">
+            <a:extLst>
+              <a:ext uri="{FF2B5EF4-FFF2-40B4-BE49-F238E27FC236}">
+                <a16:creationId xmlns:a16="http://schemas.microsoft.com/office/drawing/2014/main" id="{3ECA69A1-7536-43AC-85EF-C7106179F5ED}"/>
+              </a:ext>
+              <a:ext uri="{C183D7F6-B498-43B3-948B-1728B52AA6E4}">
+                <adec:decorative xmlns:adec="http://schemas.microsoft.com/office/drawing/2017/decorative" val="1"/>
+              </a:ext>
+            </a:extLst>
+          </p:cNvPr>
+          <p:cNvSpPr>
+            <a:spLocks noGrp="1" noRot="1" noChangeAspect="1" noMove="1" noResize="1" noEditPoints="1" noAdjustHandles="1" noChangeArrowheads="1" noChangeShapeType="1" noTextEdit="1"/>
+          </p:cNvSpPr>
+          <p:nvPr>
+            <p:extLst>
+              <p:ext uri="{386F3935-93C4-4BCD-93E2-E3B085C9AB24}">
+                <p16:designElem xmlns:p16="http://schemas.microsoft.com/office/powerpoint/2015/main" val="1"/>
+              </p:ext>
+            </p:extLst>
+          </p:nvPr>
+        </p:nvSpPr>
+        <p:spPr>
+          <a:xfrm flipH="1">
+            <a:off x="5703060" y="4839857"/>
+            <a:ext cx="611177" cy="303643"/>
+          </a:xfrm>
+          <a:prstGeom prst="triangle">
+            <a:avLst/>
+          </a:prstGeom>
+          <a:solidFill>
+            <a:schemeClr val="accent1">
+              <a:alpha val="30000"/>
+            </a:schemeClr>
+          </a:solidFill>
+          <a:ln>
+            <a:noFill/>
+          </a:ln>
+        </p:spPr>
+        <p:style>
+          <a:lnRef idx="2">
+            <a:schemeClr val="accent1">
+              <a:shade val="50000"/>
+            </a:schemeClr>
+          </a:lnRef>
+          <a:fillRef idx="1">
+            <a:schemeClr val="accent1"/>
+          </a:fillRef>
+          <a:effectRef idx="0">
+            <a:schemeClr val="accent1"/>
+          </a:effectRef>
+          <a:fontRef idx="minor">
+            <a:schemeClr val="lt1"/>
+          </a:fontRef>
+        </p:style>
+        <p:txBody>
+          <a:bodyPr rtlCol="0" anchor="ctr"/>
+          <a:lstStyle/>
+          <a:p>
+            <a:pPr algn="ctr"/>
+            <a:endParaRPr lang="en-US"/>
+          </a:p>
+        </p:txBody>
+      </p:sp>
+    </p:spTree>
+    <p:extLst>
+      <p:ext uri="{BB962C8B-B14F-4D97-AF65-F5344CB8AC3E}">
+        <p14:creationId xmlns:p14="http://schemas.microsoft.com/office/powerpoint/2010/main" val="2658603839"/>
+      </p:ext>
+    </p:extLst>
+  </p:cSld>
+  <p:clrMapOvr>
+    <a:masterClrMapping/>
+  </p:clrMapOvr>
+</p:sld>
+</file>
+
+<file path=ppt/slides/slide14.xml><?xml version="1.0" encoding="utf-8"?>
+<p:sld xmlns:a="http://schemas.openxmlformats.org/drawingml/2006/main" xmlns:r="http://schemas.openxmlformats.org/officeDocument/2006/relationships" xmlns:p="http://schemas.openxmlformats.org/presentationml/2006/main">
+  <p:cSld>
+    <p:spTree>
+      <p:nvGrpSpPr>
+        <p:cNvPr id="1" name=""/>
+        <p:cNvGrpSpPr/>
+        <p:nvPr/>
+      </p:nvGrpSpPr>
+      <p:grpSpPr>
+        <a:xfrm>
+          <a:off x="0" y="0"/>
+          <a:ext cx="0" cy="0"/>
+          <a:chOff x="0" y="0"/>
+          <a:chExt cx="0" cy="0"/>
+        </a:xfrm>
+      </p:grpSpPr>
+      <p:sp>
+        <p:nvSpPr>
+          <p:cNvPr id="2" name="Title 1">
+            <a:extLst>
+              <a:ext uri="{FF2B5EF4-FFF2-40B4-BE49-F238E27FC236}">
+                <a16:creationId xmlns:a16="http://schemas.microsoft.com/office/drawing/2014/main" id="{1D82F6CE-049D-D197-5357-A4BFC8C0CFEC}"/>
+              </a:ext>
+            </a:extLst>
+          </p:cNvPr>
+          <p:cNvSpPr>
+            <a:spLocks noGrp="1"/>
+          </p:cNvSpPr>
+          <p:nvPr>
+            <p:ph type="title"/>
+          </p:nvPr>
+        </p:nvSpPr>
+        <p:spPr/>
+        <p:txBody>
+          <a:bodyPr/>
+          <a:lstStyle/>
+          <a:p>
+            <a:r>
+              <a:rPr lang="en-US" dirty="0"/>
+              <a:t>Power BI Prices </a:t>
+            </a:r>
+          </a:p>
+        </p:txBody>
+      </p:sp>
+      <p:pic>
+        <p:nvPicPr>
+          <p:cNvPr id="7" name="Picture 6">
+            <a:extLst>
+              <a:ext uri="{FF2B5EF4-FFF2-40B4-BE49-F238E27FC236}">
+                <a16:creationId xmlns:a16="http://schemas.microsoft.com/office/drawing/2014/main" id="{2B13D9F6-25D7-BB9E-5E5A-B5D3F1D36237}"/>
+              </a:ext>
+            </a:extLst>
+          </p:cNvPr>
+          <p:cNvPicPr>
+            <a:picLocks noChangeAspect="1"/>
+          </p:cNvPicPr>
+          <p:nvPr/>
+        </p:nvPicPr>
+        <p:blipFill>
+          <a:blip r:embed="rId2"/>
+          <a:stretch>
+            <a:fillRect/>
+          </a:stretch>
+        </p:blipFill>
+        <p:spPr>
+          <a:xfrm>
+            <a:off x="720000" y="1106934"/>
+            <a:ext cx="7582557" cy="3531586"/>
+          </a:xfrm>
+          <a:prstGeom prst="rect">
+            <a:avLst/>
+          </a:prstGeom>
+          <a:ln>
+            <a:solidFill>
+              <a:schemeClr val="bg1">
+                <a:lumMod val="50000"/>
+              </a:schemeClr>
+            </a:solidFill>
+          </a:ln>
+          <a:effectLst>
+            <a:glow rad="139700">
+              <a:schemeClr val="accent3">
+                <a:alpha val="40000"/>
+              </a:schemeClr>
+            </a:glow>
+          </a:effectLst>
+        </p:spPr>
+      </p:pic>
+    </p:spTree>
+    <p:extLst>
+      <p:ext uri="{BB962C8B-B14F-4D97-AF65-F5344CB8AC3E}">
+        <p14:creationId xmlns:p14="http://schemas.microsoft.com/office/powerpoint/2010/main" val="3538314765"/>
+      </p:ext>
+    </p:extLst>
+  </p:cSld>
+  <p:clrMapOvr>
+    <a:masterClrMapping/>
+  </p:clrMapOvr>
+</p:sld>
+</file>
+
+<file path=ppt/slides/slide15.xml><?xml version="1.0" encoding="utf-8"?>
+<p:sld xmlns:a="http://schemas.openxmlformats.org/drawingml/2006/main" xmlns:r="http://schemas.openxmlformats.org/officeDocument/2006/relationships" xmlns:p="http://schemas.openxmlformats.org/presentationml/2006/main">
+  <p:cSld>
+    <p:spTree>
+      <p:nvGrpSpPr>
+        <p:cNvPr id="1" name="Shape 4299"/>
+        <p:cNvGrpSpPr/>
+        <p:nvPr/>
+      </p:nvGrpSpPr>
+      <p:grpSpPr>
+        <a:xfrm>
+          <a:off x="0" y="0"/>
+          <a:ext cx="0" cy="0"/>
+          <a:chOff x="0" y="0"/>
+          <a:chExt cx="0" cy="0"/>
+        </a:xfrm>
+      </p:grpSpPr>
+      <p:sp>
+        <p:nvSpPr>
+          <p:cNvPr id="4300" name="Google Shape;4300;p58"/>
+          <p:cNvSpPr txBox="1">
+            <a:spLocks noGrp="1"/>
+          </p:cNvSpPr>
+          <p:nvPr>
+            <p:ph type="title"/>
+          </p:nvPr>
+        </p:nvSpPr>
+        <p:spPr>
+          <a:xfrm>
+            <a:off x="2725055" y="540000"/>
+            <a:ext cx="3693900" cy="1058700"/>
+          </a:xfrm>
+          <a:prstGeom prst="rect">
+            <a:avLst/>
+          </a:prstGeom>
+        </p:spPr>
+        <p:txBody>
+          <a:bodyPr spcFirstLastPara="1" wrap="square" lIns="91425" tIns="91425" rIns="91425" bIns="91425" anchor="b" anchorCtr="0">
+            <a:noAutofit/>
+          </a:bodyPr>
+          <a:lstStyle/>
+          <a:p>
+            <a:pPr marL="0" lvl="0" indent="0" algn="ctr" rtl="0">
+              <a:spcBef>
+                <a:spcPts val="0"/>
+              </a:spcBef>
+              <a:spcAft>
+                <a:spcPts val="0"/>
+              </a:spcAft>
+              <a:buNone/>
+            </a:pPr>
+            <a:r>
+              <a:rPr lang="en"/>
+              <a:t>Thanks</a:t>
+            </a:r>
+            <a:endParaRPr/>
+          </a:p>
+        </p:txBody>
+      </p:sp>
+      <p:sp>
+        <p:nvSpPr>
+          <p:cNvPr id="4301" name="Google Shape;4301;p58"/>
+          <p:cNvSpPr txBox="1">
+            <a:spLocks noGrp="1"/>
+          </p:cNvSpPr>
+          <p:nvPr>
+            <p:ph type="subTitle" idx="1"/>
+          </p:nvPr>
+        </p:nvSpPr>
+        <p:spPr>
+          <a:xfrm>
+            <a:off x="2725049" y="1570328"/>
+            <a:ext cx="3693900" cy="488931"/>
+          </a:xfrm>
+          <a:prstGeom prst="rect">
+            <a:avLst/>
+          </a:prstGeom>
+        </p:spPr>
+        <p:txBody>
+          <a:bodyPr spcFirstLastPara="1" wrap="square" lIns="91425" tIns="91425" rIns="91425" bIns="91425" anchor="t" anchorCtr="0">
+            <a:noAutofit/>
+          </a:bodyPr>
+          <a:lstStyle/>
+          <a:p>
+            <a:pPr marL="0" lvl="0" indent="0" algn="ctr" rtl="0">
+              <a:spcBef>
+                <a:spcPts val="0"/>
+              </a:spcBef>
+              <a:spcAft>
+                <a:spcPts val="0"/>
+              </a:spcAft>
+              <a:buNone/>
+            </a:pPr>
+            <a:r>
+              <a:rPr lang="en" b="1" dirty="0"/>
+              <a:t>Do you have any questions?</a:t>
+            </a:r>
+            <a:endParaRPr b="1" dirty="0"/>
+          </a:p>
+        </p:txBody>
+      </p:sp>
+      <p:sp>
+        <p:nvSpPr>
+          <p:cNvPr id="2" name="TextBox 1">
+            <a:extLst>
+              <a:ext uri="{FF2B5EF4-FFF2-40B4-BE49-F238E27FC236}">
+                <a16:creationId xmlns:a16="http://schemas.microsoft.com/office/drawing/2014/main" id="{121904A5-C12D-A492-3B87-554AB733C3AE}"/>
+              </a:ext>
+            </a:extLst>
+          </p:cNvPr>
+          <p:cNvSpPr txBox="1"/>
+          <p:nvPr/>
+        </p:nvSpPr>
+        <p:spPr>
+          <a:xfrm>
+            <a:off x="2338466" y="3455233"/>
+            <a:ext cx="4482059" cy="599606"/>
+          </a:xfrm>
+          <a:prstGeom prst="rect">
+            <a:avLst/>
+          </a:prstGeom>
+          <a:solidFill>
+            <a:srgbClr val="E0EEEC"/>
+          </a:solidFill>
+        </p:spPr>
+        <p:txBody>
+          <a:bodyPr wrap="square" rtlCol="0">
+            <a:spAutoFit/>
+          </a:bodyPr>
+          <a:lstStyle/>
+          <a:p>
+            <a:endParaRPr lang="en-US" dirty="0"/>
+          </a:p>
+        </p:txBody>
+      </p:sp>
+      <p:graphicFrame>
+        <p:nvGraphicFramePr>
+          <p:cNvPr id="3" name="Table 2">
+            <a:extLst>
+              <a:ext uri="{FF2B5EF4-FFF2-40B4-BE49-F238E27FC236}">
+                <a16:creationId xmlns:a16="http://schemas.microsoft.com/office/drawing/2014/main" id="{19B756A7-8FE2-8D5B-B5DB-70728C1E0DC8}"/>
+              </a:ext>
+            </a:extLst>
+          </p:cNvPr>
+          <p:cNvGraphicFramePr>
+            <a:graphicFrameLocks noGrp="1"/>
+          </p:cNvGraphicFramePr>
+          <p:nvPr>
+            <p:extLst>
+              <p:ext uri="{D42A27DB-BD31-4B8C-83A1-F6EECF244321}">
+                <p14:modId xmlns:p14="http://schemas.microsoft.com/office/powerpoint/2010/main" val="4150134798"/>
+              </p:ext>
+            </p:extLst>
+          </p:nvPr>
+        </p:nvGraphicFramePr>
+        <p:xfrm>
+          <a:off x="1137425" y="2063312"/>
+          <a:ext cx="6690731" cy="2333665"/>
+        </p:xfrm>
+        <a:graphic>
+          <a:graphicData uri="http://schemas.openxmlformats.org/drawingml/2006/table">
+            <a:tbl>
+              <a:tblPr firstRow="1" bandRow="1">
+                <a:tableStyleId>{D03447BB-5D67-496B-8E87-E561075AD55C}</a:tableStyleId>
+              </a:tblPr>
+              <a:tblGrid>
+                <a:gridCol w="3187006">
+                  <a:extLst>
+                    <a:ext uri="{9D8B030D-6E8A-4147-A177-3AD203B41FA5}">
+                      <a16:colId xmlns:a16="http://schemas.microsoft.com/office/drawing/2014/main" val="2797563056"/>
+                    </a:ext>
+                  </a:extLst>
+                </a:gridCol>
+                <a:gridCol w="3503725">
+                  <a:extLst>
+                    <a:ext uri="{9D8B030D-6E8A-4147-A177-3AD203B41FA5}">
+                      <a16:colId xmlns:a16="http://schemas.microsoft.com/office/drawing/2014/main" val="561830106"/>
+                    </a:ext>
+                  </a:extLst>
+                </a:gridCol>
+              </a:tblGrid>
+              <a:tr h="328502">
+                <a:tc>
+                  <a:txBody>
+                    <a:bodyPr/>
+                    <a:lstStyle/>
+                    <a:p>
+                      <a:pPr algn="ctr"/>
+                      <a:r>
+                        <a:rPr lang="en-US" sz="1600" b="1" dirty="0">
+                          <a:ln>
+                            <a:solidFill>
+                              <a:schemeClr val="bg1">
+                                <a:lumMod val="50000"/>
+                              </a:schemeClr>
+                            </a:solidFill>
+                          </a:ln>
+                          <a:solidFill>
+                            <a:schemeClr val="accent6">
+                              <a:lumMod val="10000"/>
+                            </a:schemeClr>
+                          </a:solidFill>
+                          <a:effectLst>
+                            <a:outerShdw blurRad="38100" dist="38100" dir="2700000" algn="tl">
+                              <a:srgbClr val="000000">
+                                <a:alpha val="43137"/>
+                              </a:srgbClr>
+                            </a:outerShdw>
+                          </a:effectLst>
+                        </a:rPr>
+                        <a:t>Name</a:t>
+                      </a:r>
+                      <a:endParaRPr lang="en-US" sz="1600" b="1" dirty="0">
+                        <a:ln>
+                          <a:solidFill>
+                            <a:schemeClr val="bg1">
+                              <a:lumMod val="50000"/>
+                            </a:schemeClr>
+                          </a:solidFill>
+                        </a:ln>
+                        <a:solidFill>
+                          <a:schemeClr val="accent6">
+                            <a:lumMod val="10000"/>
+                          </a:schemeClr>
+                        </a:solidFill>
+                        <a:effectLst>
+                          <a:outerShdw blurRad="38100" dist="38100" dir="2700000" algn="tl">
+                            <a:srgbClr val="000000">
+                              <a:alpha val="43137"/>
+                            </a:srgbClr>
+                          </a:outerShdw>
+                        </a:effectLst>
+                        <a:latin typeface="Abel" panose="02000506030000020004" pitchFamily="2" charset="0"/>
+                      </a:endParaRPr>
+                    </a:p>
+                  </a:txBody>
+                  <a:tcPr/>
+                </a:tc>
+                <a:tc>
+                  <a:txBody>
+                    <a:bodyPr/>
+                    <a:lstStyle/>
+                    <a:p>
+                      <a:pPr algn="ctr"/>
+                      <a:r>
+                        <a:rPr lang="en-US" sz="1600" b="1" dirty="0">
+                          <a:ln>
+                            <a:solidFill>
+                              <a:schemeClr val="bg1">
+                                <a:lumMod val="50000"/>
+                              </a:schemeClr>
+                            </a:solidFill>
+                          </a:ln>
+                          <a:solidFill>
+                            <a:schemeClr val="accent6">
+                              <a:lumMod val="10000"/>
+                            </a:schemeClr>
+                          </a:solidFill>
+                          <a:effectLst>
+                            <a:outerShdw blurRad="38100" dist="38100" dir="2700000" algn="tl">
+                              <a:srgbClr val="000000">
+                                <a:alpha val="43137"/>
+                              </a:srgbClr>
+                            </a:outerShdw>
+                          </a:effectLst>
+                        </a:rPr>
+                        <a:t>ID</a:t>
+                      </a:r>
+                      <a:endParaRPr lang="en-US" sz="1600" b="1" dirty="0">
+                        <a:ln>
+                          <a:solidFill>
+                            <a:schemeClr val="bg1">
+                              <a:lumMod val="50000"/>
+                            </a:schemeClr>
+                          </a:solidFill>
+                        </a:ln>
+                        <a:solidFill>
+                          <a:schemeClr val="accent6">
+                            <a:lumMod val="10000"/>
+                          </a:schemeClr>
+                        </a:solidFill>
+                        <a:effectLst>
+                          <a:outerShdw blurRad="38100" dist="38100" dir="2700000" algn="tl">
+                            <a:srgbClr val="000000">
+                              <a:alpha val="43137"/>
+                            </a:srgbClr>
+                          </a:outerShdw>
+                        </a:effectLst>
+                        <a:latin typeface="Abel" panose="02000506030000020004" pitchFamily="2" charset="0"/>
+                      </a:endParaRPr>
+                    </a:p>
+                  </a:txBody>
+                  <a:tcPr/>
+                </a:tc>
+                <a:extLst>
+                  <a:ext uri="{0D108BD9-81ED-4DB2-BD59-A6C34878D82A}">
+                    <a16:rowId xmlns:a16="http://schemas.microsoft.com/office/drawing/2014/main" val="2391320693"/>
+                  </a:ext>
+                </a:extLst>
+              </a:tr>
+              <a:tr h="399677">
+                <a:tc>
+                  <a:txBody>
+                    <a:bodyPr/>
+                    <a:lstStyle/>
+                    <a:p>
+                      <a:pPr algn="ctr"/>
+                      <a:r>
+                        <a:rPr lang="en-US" sz="1600" b="1" dirty="0">
+                          <a:ln>
+                            <a:solidFill>
+                              <a:schemeClr val="accent6">
+                                <a:lumMod val="10000"/>
+                              </a:schemeClr>
+                            </a:solidFill>
+                          </a:ln>
+                          <a:solidFill>
+                            <a:schemeClr val="bg1">
+                              <a:lumMod val="90000"/>
+                            </a:schemeClr>
+                          </a:solidFill>
+                          <a:effectLst>
+                            <a:outerShdw blurRad="38100" dist="38100" dir="2700000" algn="tl">
+                              <a:srgbClr val="000000">
+                                <a:alpha val="43137"/>
+                              </a:srgbClr>
+                            </a:outerShdw>
+                          </a:effectLst>
+                        </a:rPr>
+                        <a:t>Mahmoud Essam Fathy</a:t>
+                      </a:r>
+                      <a:endParaRPr lang="en-US" sz="1600" b="1" dirty="0">
+                        <a:ln>
+                          <a:solidFill>
+                            <a:schemeClr val="accent6">
+                              <a:lumMod val="10000"/>
+                            </a:schemeClr>
+                          </a:solidFill>
+                        </a:ln>
+                        <a:solidFill>
+                          <a:schemeClr val="bg1">
+                            <a:lumMod val="90000"/>
+                          </a:schemeClr>
+                        </a:solidFill>
+                        <a:effectLst>
+                          <a:outerShdw blurRad="38100" dist="38100" dir="2700000" algn="tl">
+                            <a:srgbClr val="000000">
+                              <a:alpha val="43137"/>
+                            </a:srgbClr>
+                          </a:outerShdw>
+                        </a:effectLst>
+                        <a:latin typeface="Abel" panose="02000506030000020004" pitchFamily="2" charset="0"/>
+                      </a:endParaRPr>
+                    </a:p>
+                  </a:txBody>
+                  <a:tcPr/>
+                </a:tc>
+                <a:tc>
+                  <a:txBody>
+                    <a:bodyPr/>
+                    <a:lstStyle/>
+                    <a:p>
+                      <a:pPr marL="0" marR="0" algn="ctr">
+                        <a:lnSpc>
+                          <a:spcPct val="107000"/>
+                        </a:lnSpc>
+                        <a:spcBef>
+                          <a:spcPts val="0"/>
+                        </a:spcBef>
+                        <a:spcAft>
+                          <a:spcPts val="0"/>
+                        </a:spcAft>
+                        <a:tabLst>
+                          <a:tab pos="1828800" algn="l"/>
+                        </a:tabLst>
+                      </a:pPr>
+                      <a:r>
+                        <a:rPr lang="en-US" sz="1800" b="1" kern="100" dirty="0">
+                          <a:ln>
+                            <a:solidFill>
+                              <a:schemeClr val="accent6">
+                                <a:lumMod val="10000"/>
+                              </a:schemeClr>
+                            </a:solidFill>
+                          </a:ln>
+                          <a:solidFill>
+                            <a:schemeClr val="bg1">
+                              <a:lumMod val="90000"/>
+                            </a:schemeClr>
+                          </a:solidFill>
+                          <a:effectLst>
+                            <a:outerShdw blurRad="38100" dist="38100" dir="2700000" algn="tl">
+                              <a:srgbClr val="000000">
+                                <a:alpha val="43137"/>
+                              </a:srgbClr>
+                            </a:outerShdw>
+                          </a:effectLst>
+                        </a:rPr>
+                        <a:t>20221460231</a:t>
+                      </a:r>
+                      <a:endParaRPr lang="en-US" sz="1200" kern="100" dirty="0">
+                        <a:ln>
+                          <a:solidFill>
+                            <a:schemeClr val="accent6">
+                              <a:lumMod val="10000"/>
+                            </a:schemeClr>
+                          </a:solidFill>
+                        </a:ln>
+                        <a:solidFill>
+                          <a:schemeClr val="bg1">
+                            <a:lumMod val="90000"/>
+                          </a:schemeClr>
+                        </a:solidFill>
+                        <a:effectLst>
+                          <a:outerShdw blurRad="38100" dist="38100" dir="2700000" algn="tl">
+                            <a:srgbClr val="000000">
+                              <a:alpha val="43137"/>
+                            </a:srgbClr>
+                          </a:outerShdw>
+                        </a:effectLst>
+                        <a:latin typeface="Calibri" panose="020F0502020204030204" pitchFamily="34" charset="0"/>
+                        <a:ea typeface="Calibri" panose="020F0502020204030204" pitchFamily="34" charset="0"/>
+                        <a:cs typeface="Arial" panose="020B0604020202020204" pitchFamily="34" charset="0"/>
+                      </a:endParaRPr>
+                    </a:p>
+                  </a:txBody>
+                  <a:tcPr marL="68580" marR="68580" marT="0" marB="0"/>
+                </a:tc>
+                <a:extLst>
+                  <a:ext uri="{0D108BD9-81ED-4DB2-BD59-A6C34878D82A}">
+                    <a16:rowId xmlns:a16="http://schemas.microsoft.com/office/drawing/2014/main" val="4125560922"/>
+                  </a:ext>
+                </a:extLst>
+              </a:tr>
+              <a:tr h="399677">
+                <a:tc>
+                  <a:txBody>
+                    <a:bodyPr/>
+                    <a:lstStyle/>
+                    <a:p>
+                      <a:pPr algn="ctr"/>
+                      <a:r>
+                        <a:rPr lang="en-US" sz="1600" b="1" dirty="0">
+                          <a:ln>
+                            <a:solidFill>
+                              <a:schemeClr val="accent6">
+                                <a:lumMod val="10000"/>
+                              </a:schemeClr>
+                            </a:solidFill>
+                          </a:ln>
+                          <a:solidFill>
+                            <a:schemeClr val="bg1">
+                              <a:lumMod val="90000"/>
+                            </a:schemeClr>
+                          </a:solidFill>
+                          <a:effectLst>
+                            <a:outerShdw blurRad="38100" dist="38100" dir="2700000" algn="tl">
+                              <a:srgbClr val="000000">
+                                <a:alpha val="43137"/>
+                              </a:srgbClr>
+                            </a:outerShdw>
+                          </a:effectLst>
+                        </a:rPr>
+                        <a:t>Abdelrahman Ashraf</a:t>
+                      </a:r>
+                      <a:endParaRPr lang="en-US" sz="1600" b="1" dirty="0">
+                        <a:ln>
+                          <a:solidFill>
+                            <a:schemeClr val="accent6">
+                              <a:lumMod val="10000"/>
+                            </a:schemeClr>
+                          </a:solidFill>
+                        </a:ln>
+                        <a:solidFill>
+                          <a:schemeClr val="bg1">
+                            <a:lumMod val="90000"/>
+                          </a:schemeClr>
+                        </a:solidFill>
+                        <a:effectLst>
+                          <a:outerShdw blurRad="38100" dist="38100" dir="2700000" algn="tl">
+                            <a:srgbClr val="000000">
+                              <a:alpha val="43137"/>
+                            </a:srgbClr>
+                          </a:outerShdw>
+                        </a:effectLst>
+                        <a:latin typeface="Abel" panose="02000506030000020004" pitchFamily="2" charset="0"/>
+                      </a:endParaRPr>
+                    </a:p>
+                  </a:txBody>
+                  <a:tcPr/>
+                </a:tc>
+                <a:tc>
+                  <a:txBody>
+                    <a:bodyPr/>
+                    <a:lstStyle/>
+                    <a:p>
+                      <a:pPr marL="0" marR="0" algn="ctr">
+                        <a:lnSpc>
+                          <a:spcPct val="107000"/>
+                        </a:lnSpc>
+                        <a:spcBef>
+                          <a:spcPts val="0"/>
+                        </a:spcBef>
+                        <a:spcAft>
+                          <a:spcPts val="0"/>
+                        </a:spcAft>
+                        <a:tabLst>
+                          <a:tab pos="1828800" algn="l"/>
+                        </a:tabLst>
+                      </a:pPr>
+                      <a:r>
+                        <a:rPr lang="en-US" sz="1800" b="1" kern="100" dirty="0">
+                          <a:ln>
+                            <a:solidFill>
+                              <a:schemeClr val="accent6">
+                                <a:lumMod val="10000"/>
+                              </a:schemeClr>
+                            </a:solidFill>
+                          </a:ln>
+                          <a:solidFill>
+                            <a:schemeClr val="bg1">
+                              <a:lumMod val="90000"/>
+                            </a:schemeClr>
+                          </a:solidFill>
+                          <a:effectLst>
+                            <a:outerShdw blurRad="38100" dist="38100" dir="2700000" algn="tl">
+                              <a:srgbClr val="000000">
+                                <a:alpha val="43137"/>
+                              </a:srgbClr>
+                            </a:outerShdw>
+                          </a:effectLst>
+                        </a:rPr>
+                        <a:t>20221374041</a:t>
+                      </a:r>
+                      <a:endParaRPr lang="en-US" sz="1200" kern="100" dirty="0">
+                        <a:ln>
+                          <a:solidFill>
+                            <a:schemeClr val="accent6">
+                              <a:lumMod val="10000"/>
+                            </a:schemeClr>
+                          </a:solidFill>
+                        </a:ln>
+                        <a:solidFill>
+                          <a:schemeClr val="bg1">
+                            <a:lumMod val="90000"/>
+                          </a:schemeClr>
+                        </a:solidFill>
+                        <a:effectLst>
+                          <a:outerShdw blurRad="38100" dist="38100" dir="2700000" algn="tl">
+                            <a:srgbClr val="000000">
+                              <a:alpha val="43137"/>
+                            </a:srgbClr>
+                          </a:outerShdw>
+                        </a:effectLst>
+                        <a:latin typeface="Calibri" panose="020F0502020204030204" pitchFamily="34" charset="0"/>
+                        <a:ea typeface="Calibri" panose="020F0502020204030204" pitchFamily="34" charset="0"/>
+                        <a:cs typeface="Arial" panose="020B0604020202020204" pitchFamily="34" charset="0"/>
+                      </a:endParaRPr>
+                    </a:p>
+                  </a:txBody>
+                  <a:tcPr marL="68580" marR="68580" marT="0" marB="0"/>
+                </a:tc>
+                <a:extLst>
+                  <a:ext uri="{0D108BD9-81ED-4DB2-BD59-A6C34878D82A}">
+                    <a16:rowId xmlns:a16="http://schemas.microsoft.com/office/drawing/2014/main" val="211918066"/>
+                  </a:ext>
+                </a:extLst>
+              </a:tr>
+              <a:tr h="399677">
+                <a:tc>
+                  <a:txBody>
+                    <a:bodyPr/>
+                    <a:lstStyle/>
+                    <a:p>
+                      <a:pPr algn="ctr"/>
+                      <a:r>
+                        <a:rPr lang="en-US" sz="1600" b="1" dirty="0">
+                          <a:ln>
+                            <a:solidFill>
+                              <a:schemeClr val="accent6">
+                                <a:lumMod val="10000"/>
+                              </a:schemeClr>
+                            </a:solidFill>
+                          </a:ln>
+                          <a:solidFill>
+                            <a:schemeClr val="bg1">
+                              <a:lumMod val="90000"/>
+                            </a:schemeClr>
+                          </a:solidFill>
+                          <a:effectLst>
+                            <a:outerShdw blurRad="38100" dist="38100" dir="2700000" algn="tl">
+                              <a:srgbClr val="000000">
+                                <a:alpha val="43137"/>
+                              </a:srgbClr>
+                            </a:outerShdw>
+                          </a:effectLst>
+                        </a:rPr>
+                        <a:t>Abdallah Hussein</a:t>
+                      </a:r>
+                      <a:endParaRPr lang="en-US" sz="1600" b="1" dirty="0">
+                        <a:ln>
+                          <a:solidFill>
+                            <a:schemeClr val="accent6">
+                              <a:lumMod val="10000"/>
+                            </a:schemeClr>
+                          </a:solidFill>
+                        </a:ln>
+                        <a:solidFill>
+                          <a:schemeClr val="bg1">
+                            <a:lumMod val="90000"/>
+                          </a:schemeClr>
+                        </a:solidFill>
+                        <a:effectLst>
+                          <a:outerShdw blurRad="38100" dist="38100" dir="2700000" algn="tl">
+                            <a:srgbClr val="000000">
+                              <a:alpha val="43137"/>
+                            </a:srgbClr>
+                          </a:outerShdw>
+                        </a:effectLst>
+                        <a:latin typeface="Abel" panose="02000506030000020004" pitchFamily="2" charset="0"/>
+                      </a:endParaRPr>
+                    </a:p>
+                  </a:txBody>
+                  <a:tcPr/>
+                </a:tc>
+                <a:tc>
+                  <a:txBody>
+                    <a:bodyPr/>
+                    <a:lstStyle/>
+                    <a:p>
+                      <a:pPr marL="0" marR="0" algn="ctr">
+                        <a:lnSpc>
+                          <a:spcPct val="107000"/>
+                        </a:lnSpc>
+                        <a:spcBef>
+                          <a:spcPts val="0"/>
+                        </a:spcBef>
+                        <a:spcAft>
+                          <a:spcPts val="0"/>
+                        </a:spcAft>
+                        <a:tabLst>
+                          <a:tab pos="1828800" algn="l"/>
+                        </a:tabLst>
+                      </a:pPr>
+                      <a:r>
+                        <a:rPr lang="en-US" sz="1800" b="1" kern="100" dirty="0">
+                          <a:ln>
+                            <a:solidFill>
+                              <a:schemeClr val="accent6">
+                                <a:lumMod val="10000"/>
+                              </a:schemeClr>
+                            </a:solidFill>
+                          </a:ln>
+                          <a:solidFill>
+                            <a:schemeClr val="bg1">
+                              <a:lumMod val="90000"/>
+                            </a:schemeClr>
+                          </a:solidFill>
+                          <a:effectLst>
+                            <a:outerShdw blurRad="38100" dist="38100" dir="2700000" algn="tl">
+                              <a:srgbClr val="000000">
+                                <a:alpha val="43137"/>
+                              </a:srgbClr>
+                            </a:outerShdw>
+                          </a:effectLst>
+                        </a:rPr>
+                        <a:t>20221427861</a:t>
+                      </a:r>
+                      <a:endParaRPr lang="en-US" sz="1200" kern="100" dirty="0">
+                        <a:ln>
+                          <a:solidFill>
+                            <a:schemeClr val="accent6">
+                              <a:lumMod val="10000"/>
+                            </a:schemeClr>
+                          </a:solidFill>
+                        </a:ln>
+                        <a:solidFill>
+                          <a:schemeClr val="bg1">
+                            <a:lumMod val="90000"/>
+                          </a:schemeClr>
+                        </a:solidFill>
+                        <a:effectLst>
+                          <a:outerShdw blurRad="38100" dist="38100" dir="2700000" algn="tl">
+                            <a:srgbClr val="000000">
+                              <a:alpha val="43137"/>
+                            </a:srgbClr>
+                          </a:outerShdw>
+                        </a:effectLst>
+                        <a:latin typeface="Calibri" panose="020F0502020204030204" pitchFamily="34" charset="0"/>
+                        <a:ea typeface="Calibri" panose="020F0502020204030204" pitchFamily="34" charset="0"/>
+                        <a:cs typeface="Arial" panose="020B0604020202020204" pitchFamily="34" charset="0"/>
+                      </a:endParaRPr>
+                    </a:p>
+                  </a:txBody>
+                  <a:tcPr marL="68580" marR="68580" marT="0" marB="0"/>
+                </a:tc>
+                <a:extLst>
+                  <a:ext uri="{0D108BD9-81ED-4DB2-BD59-A6C34878D82A}">
+                    <a16:rowId xmlns:a16="http://schemas.microsoft.com/office/drawing/2014/main" val="3502492550"/>
+                  </a:ext>
+                </a:extLst>
+              </a:tr>
+              <a:tr h="399677">
+                <a:tc>
+                  <a:txBody>
+                    <a:bodyPr/>
+                    <a:lstStyle/>
+                    <a:p>
+                      <a:pPr algn="ctr"/>
+                      <a:r>
+                        <a:rPr lang="en-US" sz="1600" b="1" dirty="0" err="1">
+                          <a:ln>
+                            <a:solidFill>
+                              <a:schemeClr val="accent6">
+                                <a:lumMod val="10000"/>
+                              </a:schemeClr>
+                            </a:solidFill>
+                          </a:ln>
+                          <a:solidFill>
+                            <a:schemeClr val="bg1">
+                              <a:lumMod val="90000"/>
+                            </a:schemeClr>
+                          </a:solidFill>
+                          <a:effectLst>
+                            <a:outerShdw blurRad="38100" dist="38100" dir="2700000" algn="tl">
+                              <a:srgbClr val="000000">
+                                <a:alpha val="43137"/>
+                              </a:srgbClr>
+                            </a:outerShdw>
+                          </a:effectLst>
+                        </a:rPr>
+                        <a:t>Zyad</a:t>
+                      </a:r>
+                      <a:r>
+                        <a:rPr lang="en-US" sz="1600" b="1" dirty="0">
+                          <a:ln>
+                            <a:solidFill>
+                              <a:schemeClr val="accent6">
+                                <a:lumMod val="10000"/>
+                              </a:schemeClr>
+                            </a:solidFill>
+                          </a:ln>
+                          <a:solidFill>
+                            <a:schemeClr val="bg1">
+                              <a:lumMod val="90000"/>
+                            </a:schemeClr>
+                          </a:solidFill>
+                          <a:effectLst>
+                            <a:outerShdw blurRad="38100" dist="38100" dir="2700000" algn="tl">
+                              <a:srgbClr val="000000">
+                                <a:alpha val="43137"/>
+                              </a:srgbClr>
+                            </a:outerShdw>
+                          </a:effectLst>
+                        </a:rPr>
+                        <a:t> Ashraf Hafez</a:t>
+                      </a:r>
+                      <a:endParaRPr lang="en-US" sz="1600" b="1" dirty="0">
+                        <a:ln>
+                          <a:solidFill>
+                            <a:schemeClr val="accent6">
+                              <a:lumMod val="10000"/>
+                            </a:schemeClr>
+                          </a:solidFill>
+                        </a:ln>
+                        <a:solidFill>
+                          <a:schemeClr val="bg1">
+                            <a:lumMod val="90000"/>
+                          </a:schemeClr>
+                        </a:solidFill>
+                        <a:effectLst>
+                          <a:outerShdw blurRad="38100" dist="38100" dir="2700000" algn="tl">
+                            <a:srgbClr val="000000">
+                              <a:alpha val="43137"/>
+                            </a:srgbClr>
+                          </a:outerShdw>
+                        </a:effectLst>
+                        <a:latin typeface="Abel" panose="02000506030000020004" pitchFamily="2" charset="0"/>
+                      </a:endParaRPr>
+                    </a:p>
+                  </a:txBody>
+                  <a:tcPr/>
+                </a:tc>
+                <a:tc>
+                  <a:txBody>
+                    <a:bodyPr/>
+                    <a:lstStyle/>
+                    <a:p>
+                      <a:pPr marL="0" marR="0" algn="ctr">
+                        <a:lnSpc>
+                          <a:spcPct val="107000"/>
+                        </a:lnSpc>
+                        <a:spcBef>
+                          <a:spcPts val="0"/>
+                        </a:spcBef>
+                        <a:spcAft>
+                          <a:spcPts val="0"/>
+                        </a:spcAft>
+                        <a:tabLst>
+                          <a:tab pos="1828800" algn="l"/>
+                        </a:tabLst>
+                      </a:pPr>
+                      <a:r>
+                        <a:rPr lang="en-US" sz="1800" b="1" kern="100" dirty="0">
+                          <a:ln>
+                            <a:solidFill>
+                              <a:schemeClr val="accent6">
+                                <a:lumMod val="10000"/>
+                              </a:schemeClr>
+                            </a:solidFill>
+                          </a:ln>
+                          <a:solidFill>
+                            <a:schemeClr val="bg1">
+                              <a:lumMod val="90000"/>
+                            </a:schemeClr>
+                          </a:solidFill>
+                          <a:effectLst>
+                            <a:outerShdw blurRad="38100" dist="38100" dir="2700000" algn="tl">
+                              <a:srgbClr val="000000">
+                                <a:alpha val="43137"/>
+                              </a:srgbClr>
+                            </a:outerShdw>
+                          </a:effectLst>
+                        </a:rPr>
+                        <a:t>20221374025</a:t>
+                      </a:r>
+                      <a:endParaRPr lang="en-US" sz="1200" kern="100" dirty="0">
+                        <a:ln>
+                          <a:solidFill>
+                            <a:schemeClr val="accent6">
+                              <a:lumMod val="10000"/>
+                            </a:schemeClr>
+                          </a:solidFill>
+                        </a:ln>
+                        <a:solidFill>
+                          <a:schemeClr val="bg1">
+                            <a:lumMod val="90000"/>
+                          </a:schemeClr>
+                        </a:solidFill>
+                        <a:effectLst>
+                          <a:outerShdw blurRad="38100" dist="38100" dir="2700000" algn="tl">
+                            <a:srgbClr val="000000">
+                              <a:alpha val="43137"/>
+                            </a:srgbClr>
+                          </a:outerShdw>
+                        </a:effectLst>
+                        <a:latin typeface="Calibri" panose="020F0502020204030204" pitchFamily="34" charset="0"/>
+                        <a:ea typeface="Calibri" panose="020F0502020204030204" pitchFamily="34" charset="0"/>
+                        <a:cs typeface="Arial" panose="020B0604020202020204" pitchFamily="34" charset="0"/>
+                      </a:endParaRPr>
+                    </a:p>
+                  </a:txBody>
+                  <a:tcPr marL="68580" marR="68580" marT="0" marB="0"/>
+                </a:tc>
+                <a:extLst>
+                  <a:ext uri="{0D108BD9-81ED-4DB2-BD59-A6C34878D82A}">
+                    <a16:rowId xmlns:a16="http://schemas.microsoft.com/office/drawing/2014/main" val="539278853"/>
+                  </a:ext>
+                </a:extLst>
+              </a:tr>
+              <a:tr h="399677">
+                <a:tc>
+                  <a:txBody>
+                    <a:bodyPr/>
+                    <a:lstStyle/>
+                    <a:p>
+                      <a:pPr algn="ctr"/>
+                      <a:r>
+                        <a:rPr lang="en-US" sz="1600" b="1" dirty="0">
+                          <a:ln>
+                            <a:solidFill>
+                              <a:schemeClr val="accent6">
+                                <a:lumMod val="10000"/>
+                              </a:schemeClr>
+                            </a:solidFill>
+                          </a:ln>
+                          <a:solidFill>
+                            <a:schemeClr val="bg1">
+                              <a:lumMod val="90000"/>
+                            </a:schemeClr>
+                          </a:solidFill>
+                          <a:effectLst>
+                            <a:outerShdw blurRad="38100" dist="38100" dir="2700000" algn="tl">
+                              <a:srgbClr val="000000">
+                                <a:alpha val="43137"/>
+                              </a:srgbClr>
+                            </a:outerShdw>
+                          </a:effectLst>
+                        </a:rPr>
+                        <a:t>Fares Mohamed</a:t>
+                      </a:r>
+                      <a:endParaRPr lang="en-US" sz="1600" b="1" dirty="0">
+                        <a:ln>
+                          <a:solidFill>
+                            <a:schemeClr val="accent6">
+                              <a:lumMod val="10000"/>
+                            </a:schemeClr>
+                          </a:solidFill>
+                        </a:ln>
+                        <a:solidFill>
+                          <a:schemeClr val="bg1">
+                            <a:lumMod val="90000"/>
+                          </a:schemeClr>
+                        </a:solidFill>
+                        <a:effectLst>
+                          <a:outerShdw blurRad="38100" dist="38100" dir="2700000" algn="tl">
+                            <a:srgbClr val="000000">
+                              <a:alpha val="43137"/>
+                            </a:srgbClr>
+                          </a:outerShdw>
+                        </a:effectLst>
+                        <a:latin typeface="Abel" panose="02000506030000020004" pitchFamily="2" charset="0"/>
+                      </a:endParaRPr>
+                    </a:p>
+                  </a:txBody>
+                  <a:tcPr/>
+                </a:tc>
+                <a:tc>
+                  <a:txBody>
+                    <a:bodyPr/>
+                    <a:lstStyle/>
+                    <a:p>
+                      <a:pPr marL="0" marR="0" algn="ctr">
+                        <a:lnSpc>
+                          <a:spcPct val="107000"/>
+                        </a:lnSpc>
+                        <a:spcBef>
+                          <a:spcPts val="0"/>
+                        </a:spcBef>
+                        <a:spcAft>
+                          <a:spcPts val="0"/>
+                        </a:spcAft>
+                        <a:tabLst>
+                          <a:tab pos="1828800" algn="l"/>
+                        </a:tabLst>
+                      </a:pPr>
+                      <a:r>
+                        <a:rPr lang="en-US" sz="1800" b="1" kern="100" dirty="0">
+                          <a:ln>
+                            <a:solidFill>
+                              <a:schemeClr val="accent6">
+                                <a:lumMod val="10000"/>
+                              </a:schemeClr>
+                            </a:solidFill>
+                          </a:ln>
+                          <a:solidFill>
+                            <a:schemeClr val="bg1">
+                              <a:lumMod val="90000"/>
+                            </a:schemeClr>
+                          </a:solidFill>
+                          <a:effectLst>
+                            <a:outerShdw blurRad="38100" dist="38100" dir="2700000" algn="tl">
+                              <a:srgbClr val="000000">
+                                <a:alpha val="43137"/>
+                              </a:srgbClr>
+                            </a:outerShdw>
+                          </a:effectLst>
+                        </a:rPr>
+                        <a:t>20221461330</a:t>
+                      </a:r>
+                      <a:endParaRPr lang="en-US" sz="1200" kern="100" dirty="0">
+                        <a:ln>
+                          <a:solidFill>
+                            <a:schemeClr val="accent6">
+                              <a:lumMod val="10000"/>
+                            </a:schemeClr>
+                          </a:solidFill>
+                        </a:ln>
+                        <a:solidFill>
+                          <a:schemeClr val="bg1">
+                            <a:lumMod val="90000"/>
+                          </a:schemeClr>
+                        </a:solidFill>
+                        <a:effectLst>
+                          <a:outerShdw blurRad="38100" dist="38100" dir="2700000" algn="tl">
+                            <a:srgbClr val="000000">
+                              <a:alpha val="43137"/>
+                            </a:srgbClr>
+                          </a:outerShdw>
+                        </a:effectLst>
+                        <a:latin typeface="Calibri" panose="020F0502020204030204" pitchFamily="34" charset="0"/>
+                        <a:ea typeface="Calibri" panose="020F0502020204030204" pitchFamily="34" charset="0"/>
+                        <a:cs typeface="Arial" panose="020B0604020202020204" pitchFamily="34" charset="0"/>
+                      </a:endParaRPr>
+                    </a:p>
+                  </a:txBody>
+                  <a:tcPr marL="68580" marR="68580" marT="0" marB="0"/>
+                </a:tc>
+                <a:extLst>
+                  <a:ext uri="{0D108BD9-81ED-4DB2-BD59-A6C34878D82A}">
+                    <a16:rowId xmlns:a16="http://schemas.microsoft.com/office/drawing/2014/main" val="393191798"/>
+                  </a:ext>
+                </a:extLst>
+              </a:tr>
+            </a:tbl>
+          </a:graphicData>
+        </a:graphic>
+      </p:graphicFrame>
+    </p:spTree>
+  </p:cSld>
+  <p:clrMapOvr>
+    <a:masterClrMapping/>
+  </p:clrMapOvr>
+</p:sld>
+</file>
+
+<file path=ppt/slides/slide16.xml><?xml version="1.0" encoding="utf-8"?>
+<p:sld xmlns:a="http://schemas.openxmlformats.org/drawingml/2006/main" xmlns:r="http://schemas.openxmlformats.org/officeDocument/2006/relationships" xmlns:p="http://schemas.openxmlformats.org/presentationml/2006/main">
+  <p:cSld>
     <p:bg>
       <p:bgPr>
         <a:solidFill>
@@ -28329,7 +30375,15 @@
 
 <file path=ppt/slides/slide7.xml><?xml version="1.0" encoding="utf-8"?>
 <p:sld xmlns:a="http://schemas.openxmlformats.org/drawingml/2006/main" xmlns:r="http://schemas.openxmlformats.org/officeDocument/2006/relationships" xmlns:p="http://schemas.openxmlformats.org/presentationml/2006/main">
-  <p:cSld name="Slide 8">
+  <p:cSld>
+    <p:bg>
+      <p:bgPr>
+        <a:solidFill>
+          <a:schemeClr val="bg1"/>
+        </a:solidFill>
+        <a:effectLst/>
+      </p:bgPr>
+    </p:bg>
     <p:spTree>
       <p:nvGrpSpPr>
         <p:cNvPr id="1" name=""/>
@@ -28344,6 +30398,335 @@
           <a:chExt cx="0" cy="0"/>
         </a:xfrm>
       </p:grpSpPr>
+      <p:sp useBgFill="1">
+        <p:nvSpPr>
+          <p:cNvPr id="8" name="Rectangle 7">
+            <a:extLst>
+              <a:ext uri="{FF2B5EF4-FFF2-40B4-BE49-F238E27FC236}">
+                <a16:creationId xmlns:a16="http://schemas.microsoft.com/office/drawing/2014/main" id="{AB8C311F-7253-4AED-9701-7FC0708C41C7}"/>
+              </a:ext>
+              <a:ext uri="{C183D7F6-B498-43B3-948B-1728B52AA6E4}">
+                <adec:decorative xmlns:adec="http://schemas.microsoft.com/office/drawing/2017/decorative" val="1"/>
+              </a:ext>
+            </a:extLst>
+          </p:cNvPr>
+          <p:cNvSpPr>
+            <a:spLocks noGrp="1" noRot="1" noChangeAspect="1" noMove="1" noResize="1" noEditPoints="1" noAdjustHandles="1" noChangeArrowheads="1" noChangeShapeType="1" noTextEdit="1"/>
+          </p:cNvSpPr>
+          <p:nvPr>
+            <p:extLst>
+              <p:ext uri="{386F3935-93C4-4BCD-93E2-E3B085C9AB24}">
+                <p16:designElem xmlns:p16="http://schemas.microsoft.com/office/powerpoint/2015/main" val="1"/>
+              </p:ext>
+            </p:extLst>
+          </p:nvPr>
+        </p:nvSpPr>
+        <p:spPr>
+          <a:xfrm>
+            <a:off x="0" y="0"/>
+            <a:ext cx="9144000" cy="5143500"/>
+          </a:xfrm>
+          <a:prstGeom prst="rect">
+            <a:avLst/>
+          </a:prstGeom>
+          <a:ln w="12700" cap="flat" cmpd="sng" algn="ctr">
+            <a:noFill/>
+            <a:prstDash val="solid"/>
+            <a:miter lim="800000"/>
+          </a:ln>
+          <a:effectLst/>
+          <a:extLst>
+            <a:ext uri="{91240B29-F687-4F45-9708-019B960494DF}">
+              <a14:hiddenLine xmlns:a14="http://schemas.microsoft.com/office/drawing/2010/main" w="12700" cap="flat" cmpd="sng" algn="ctr">
+                <a:solidFill>
+                  <a:schemeClr val="accent1">
+                    <a:shade val="50000"/>
+                  </a:schemeClr>
+                </a:solidFill>
+                <a:prstDash val="solid"/>
+                <a:miter lim="800000"/>
+              </a14:hiddenLine>
+            </a:ext>
+          </a:extLst>
+        </p:spPr>
+        <p:style>
+          <a:lnRef idx="2">
+            <a:schemeClr val="accent1">
+              <a:shade val="50000"/>
+            </a:schemeClr>
+          </a:lnRef>
+          <a:fillRef idx="1">
+            <a:schemeClr val="accent1"/>
+          </a:fillRef>
+          <a:effectRef idx="0">
+            <a:schemeClr val="accent1"/>
+          </a:effectRef>
+          <a:fontRef idx="minor">
+            <a:schemeClr val="lt1"/>
+          </a:fontRef>
+        </p:style>
+        <p:txBody>
+          <a:bodyPr rtlCol="0" anchor="ctr"/>
+          <a:lstStyle/>
+          <a:p>
+            <a:pPr algn="ctr"/>
+            <a:endParaRPr lang="en-US"/>
+          </a:p>
+        </p:txBody>
+      </p:sp>
+      <p:sp>
+        <p:nvSpPr>
+          <p:cNvPr id="10" name="Rectangle 9">
+            <a:extLst>
+              <a:ext uri="{FF2B5EF4-FFF2-40B4-BE49-F238E27FC236}">
+                <a16:creationId xmlns:a16="http://schemas.microsoft.com/office/drawing/2014/main" id="{E2384209-CB15-4CDF-9D31-C44FD9A3F20D}"/>
+              </a:ext>
+              <a:ext uri="{C183D7F6-B498-43B3-948B-1728B52AA6E4}">
+                <adec:decorative xmlns:adec="http://schemas.microsoft.com/office/drawing/2017/decorative" val="1"/>
+              </a:ext>
+            </a:extLst>
+          </p:cNvPr>
+          <p:cNvSpPr>
+            <a:spLocks noGrp="1" noRot="1" noChangeAspect="1" noMove="1" noResize="1" noEditPoints="1" noAdjustHandles="1" noChangeArrowheads="1" noChangeShapeType="1" noTextEdit="1"/>
+          </p:cNvSpPr>
+          <p:nvPr>
+            <p:extLst>
+              <p:ext uri="{386F3935-93C4-4BCD-93E2-E3B085C9AB24}">
+                <p16:designElem xmlns:p16="http://schemas.microsoft.com/office/powerpoint/2015/main" val="1"/>
+              </p:ext>
+            </p:extLst>
+          </p:nvPr>
+        </p:nvSpPr>
+        <p:spPr>
+          <a:xfrm rot="16200000" flipH="1">
+            <a:off x="1999963" y="-1999641"/>
+            <a:ext cx="5143500" cy="9143425"/>
+          </a:xfrm>
+          <a:prstGeom prst="rect">
+            <a:avLst/>
+          </a:prstGeom>
+          <a:gradFill>
+            <a:gsLst>
+              <a:gs pos="8000">
+                <a:schemeClr val="accent1"/>
+              </a:gs>
+              <a:gs pos="100000">
+                <a:schemeClr val="accent1">
+                  <a:lumMod val="50000"/>
+                </a:schemeClr>
+              </a:gs>
+            </a:gsLst>
+            <a:lin ang="12000000" scaled="0"/>
+          </a:gradFill>
+          <a:ln>
+            <a:noFill/>
+          </a:ln>
+        </p:spPr>
+        <p:style>
+          <a:lnRef idx="2">
+            <a:schemeClr val="accent1">
+              <a:shade val="50000"/>
+            </a:schemeClr>
+          </a:lnRef>
+          <a:fillRef idx="1">
+            <a:schemeClr val="accent1"/>
+          </a:fillRef>
+          <a:effectRef idx="0">
+            <a:schemeClr val="accent1"/>
+          </a:effectRef>
+          <a:fontRef idx="minor">
+            <a:schemeClr val="lt1"/>
+          </a:fontRef>
+        </p:style>
+        <p:txBody>
+          <a:bodyPr rtlCol="0" anchor="ctr"/>
+          <a:lstStyle/>
+          <a:p>
+            <a:pPr algn="ctr"/>
+            <a:endParaRPr lang="en-US"/>
+          </a:p>
+        </p:txBody>
+      </p:sp>
+      <p:sp>
+        <p:nvSpPr>
+          <p:cNvPr id="12" name="Rectangle 11">
+            <a:extLst>
+              <a:ext uri="{FF2B5EF4-FFF2-40B4-BE49-F238E27FC236}">
+                <a16:creationId xmlns:a16="http://schemas.microsoft.com/office/drawing/2014/main" id="{2633B3B5-CC90-43F0-8714-D31D1F3F0209}"/>
+              </a:ext>
+              <a:ext uri="{C183D7F6-B498-43B3-948B-1728B52AA6E4}">
+                <adec:decorative xmlns:adec="http://schemas.microsoft.com/office/drawing/2017/decorative" val="1"/>
+              </a:ext>
+            </a:extLst>
+          </p:cNvPr>
+          <p:cNvSpPr>
+            <a:spLocks noGrp="1" noRot="1" noChangeAspect="1" noMove="1" noResize="1" noEditPoints="1" noAdjustHandles="1" noChangeArrowheads="1" noChangeShapeType="1" noTextEdit="1"/>
+          </p:cNvSpPr>
+          <p:nvPr>
+            <p:extLst>
+              <p:ext uri="{386F3935-93C4-4BCD-93E2-E3B085C9AB24}">
+                <p16:designElem xmlns:p16="http://schemas.microsoft.com/office/powerpoint/2015/main" val="1"/>
+              </p:ext>
+            </p:extLst>
+          </p:nvPr>
+        </p:nvSpPr>
+        <p:spPr>
+          <a:xfrm rot="10800000" flipH="1">
+            <a:off x="-1733" y="0"/>
+            <a:ext cx="6803134" cy="5143179"/>
+          </a:xfrm>
+          <a:prstGeom prst="rect">
+            <a:avLst/>
+          </a:prstGeom>
+          <a:gradFill>
+            <a:gsLst>
+              <a:gs pos="8000">
+                <a:srgbClr val="000000">
+                  <a:alpha val="52000"/>
+                </a:srgbClr>
+              </a:gs>
+              <a:gs pos="100000">
+                <a:schemeClr val="accent1"/>
+              </a:gs>
+            </a:gsLst>
+            <a:lin ang="4800000" scaled="0"/>
+          </a:gradFill>
+          <a:ln>
+            <a:noFill/>
+          </a:ln>
+        </p:spPr>
+        <p:style>
+          <a:lnRef idx="2">
+            <a:schemeClr val="accent1">
+              <a:shade val="50000"/>
+            </a:schemeClr>
+          </a:lnRef>
+          <a:fillRef idx="1">
+            <a:schemeClr val="accent1"/>
+          </a:fillRef>
+          <a:effectRef idx="0">
+            <a:schemeClr val="accent1"/>
+          </a:effectRef>
+          <a:fontRef idx="minor">
+            <a:schemeClr val="lt1"/>
+          </a:fontRef>
+        </p:style>
+        <p:txBody>
+          <a:bodyPr rtlCol="0" anchor="ctr"/>
+          <a:lstStyle/>
+          <a:p>
+            <a:pPr algn="ctr"/>
+            <a:endParaRPr lang="en-US"/>
+          </a:p>
+        </p:txBody>
+      </p:sp>
+      <p:sp>
+        <p:nvSpPr>
+          <p:cNvPr id="14" name="Rectangle 13">
+            <a:extLst>
+              <a:ext uri="{FF2B5EF4-FFF2-40B4-BE49-F238E27FC236}">
+                <a16:creationId xmlns:a16="http://schemas.microsoft.com/office/drawing/2014/main" id="{A8D57A06-A426-446D-B02C-A2DC6B62E45E}"/>
+              </a:ext>
+              <a:ext uri="{C183D7F6-B498-43B3-948B-1728B52AA6E4}">
+                <adec:decorative xmlns:adec="http://schemas.microsoft.com/office/drawing/2017/decorative" val="1"/>
+              </a:ext>
+            </a:extLst>
+          </p:cNvPr>
+          <p:cNvSpPr>
+            <a:spLocks noGrp="1" noRot="1" noChangeAspect="1" noMove="1" noResize="1" noEditPoints="1" noAdjustHandles="1" noChangeArrowheads="1" noChangeShapeType="1" noTextEdit="1"/>
+          </p:cNvSpPr>
+          <p:nvPr>
+            <p:extLst>
+              <p:ext uri="{386F3935-93C4-4BCD-93E2-E3B085C9AB24}">
+                <p16:designElem xmlns:p16="http://schemas.microsoft.com/office/powerpoint/2015/main" val="1"/>
+              </p:ext>
+            </p:extLst>
+          </p:nvPr>
+        </p:nvSpPr>
+        <p:spPr>
+          <a:xfrm rot="16200000" flipH="1">
+            <a:off x="2737118" y="-1264380"/>
+            <a:ext cx="3670923" cy="9145160"/>
+          </a:xfrm>
+          <a:prstGeom prst="rect">
+            <a:avLst/>
+          </a:prstGeom>
+          <a:gradFill>
+            <a:gsLst>
+              <a:gs pos="0">
+                <a:schemeClr val="accent5">
+                  <a:lumMod val="60000"/>
+                  <a:lumOff val="40000"/>
+                  <a:alpha val="0"/>
+                </a:schemeClr>
+              </a:gs>
+              <a:gs pos="100000">
+                <a:srgbClr val="000000">
+                  <a:alpha val="46000"/>
+                </a:srgbClr>
+              </a:gs>
+            </a:gsLst>
+            <a:lin ang="1200000" scaled="0"/>
+          </a:gradFill>
+          <a:ln>
+            <a:noFill/>
+          </a:ln>
+        </p:spPr>
+        <p:style>
+          <a:lnRef idx="2">
+            <a:schemeClr val="accent1">
+              <a:shade val="50000"/>
+            </a:schemeClr>
+          </a:lnRef>
+          <a:fillRef idx="1">
+            <a:schemeClr val="accent1"/>
+          </a:fillRef>
+          <a:effectRef idx="0">
+            <a:schemeClr val="accent1"/>
+          </a:effectRef>
+          <a:fontRef idx="minor">
+            <a:schemeClr val="lt1"/>
+          </a:fontRef>
+        </p:style>
+        <p:txBody>
+          <a:bodyPr rtlCol="0" anchor="ctr"/>
+          <a:lstStyle/>
+          <a:p>
+            <a:pPr algn="ctr"/>
+            <a:endParaRPr lang="en-US"/>
+          </a:p>
+        </p:txBody>
+      </p:sp>
+      <p:pic>
+        <p:nvPicPr>
+          <p:cNvPr id="3" name="Picture 2">
+            <a:extLst>
+              <a:ext uri="{FF2B5EF4-FFF2-40B4-BE49-F238E27FC236}">
+                <a16:creationId xmlns:a16="http://schemas.microsoft.com/office/drawing/2014/main" id="{E58999AA-8593-F4D3-8919-E4D9E23AE424}"/>
+              </a:ext>
+            </a:extLst>
+          </p:cNvPr>
+          <p:cNvPicPr>
+            <a:picLocks noChangeAspect="1"/>
+          </p:cNvPicPr>
+          <p:nvPr/>
+        </p:nvPicPr>
+        <p:blipFill>
+          <a:blip r:embed="rId3"/>
+          <a:stretch>
+            <a:fillRect/>
+          </a:stretch>
+        </p:blipFill>
+        <p:spPr>
+          <a:xfrm>
+            <a:off x="342900" y="351472"/>
+            <a:ext cx="8458200" cy="4440556"/>
+          </a:xfrm>
+          <a:prstGeom prst="rect">
+            <a:avLst/>
+          </a:prstGeom>
+        </p:spPr>
+      </p:pic>
     </p:spTree>
     <p:extLst>
       <p:ext uri="{BB962C8B-B14F-4D97-AF65-F5344CB8AC3E}">
@@ -28395,7 +30778,129 @@
           <a:bodyPr/>
           <a:lstStyle/>
           <a:p>
-            <a:endParaRPr lang="en-US"/>
+            <a:r>
+              <a:rPr lang="en-US" dirty="0"/>
+              <a:t>What is Power BI?</a:t>
+            </a:r>
+          </a:p>
+        </p:txBody>
+      </p:sp>
+      <p:sp>
+        <p:nvSpPr>
+          <p:cNvPr id="2" name="TextBox 1">
+            <a:extLst>
+              <a:ext uri="{FF2B5EF4-FFF2-40B4-BE49-F238E27FC236}">
+                <a16:creationId xmlns:a16="http://schemas.microsoft.com/office/drawing/2014/main" id="{773DBA6B-F442-452C-FEC2-22EA0F66A9E4}"/>
+              </a:ext>
+            </a:extLst>
+          </p:cNvPr>
+          <p:cNvSpPr txBox="1"/>
+          <p:nvPr/>
+        </p:nvSpPr>
+        <p:spPr>
+          <a:xfrm>
+            <a:off x="341971" y="1017725"/>
+            <a:ext cx="8660780" cy="3477875"/>
+          </a:xfrm>
+          <a:prstGeom prst="rect">
+            <a:avLst/>
+          </a:prstGeom>
+          <a:noFill/>
+        </p:spPr>
+        <p:txBody>
+          <a:bodyPr wrap="square" rtlCol="0" anchor="b">
+            <a:spAutoFit/>
+          </a:bodyPr>
+          <a:lstStyle/>
+          <a:p>
+            <a:endParaRPr lang="en-US" dirty="0"/>
+          </a:p>
+          <a:p>
+            <a:r>
+              <a:rPr lang="en-US" sz="1600" dirty="0"/>
+              <a:t>• Power BI is a business analytics solution that lets you visualize your data and share insights</a:t>
+            </a:r>
+          </a:p>
+          <a:p>
+            <a:r>
+              <a:rPr lang="en-US" sz="1600" dirty="0"/>
+              <a:t>  across your organization or embed them in your app or website. Connect to hundreds of</a:t>
+            </a:r>
+          </a:p>
+          <a:p>
+            <a:r>
+              <a:rPr lang="en-US" sz="1600" dirty="0"/>
+              <a:t>  data sources and bring your data to life with live dashboards and reports.</a:t>
+            </a:r>
+          </a:p>
+          <a:p>
+            <a:pPr>
+              <a:lnSpc>
+                <a:spcPct val="150000"/>
+              </a:lnSpc>
+            </a:pPr>
+            <a:r>
+              <a:rPr lang="en-US" sz="1600" dirty="0"/>
+              <a:t>• Make informed decisions quickly. Connect, model, and then explore your data with</a:t>
+            </a:r>
+          </a:p>
+          <a:p>
+            <a:r>
+              <a:rPr lang="en-US" sz="1600" dirty="0"/>
+              <a:t>  visual reports that you can collaborate, publish, and share. Power BI integrates with other</a:t>
+            </a:r>
+          </a:p>
+          <a:p>
+            <a:r>
+              <a:rPr lang="en-US" sz="1600" dirty="0"/>
+              <a:t>  tools, including Microsoft Excel, so you can get up to speed quickly and work seamlessly</a:t>
+            </a:r>
+          </a:p>
+          <a:p>
+            <a:r>
+              <a:rPr lang="en-US" sz="1600" dirty="0"/>
+              <a:t>  with your existing solutions.</a:t>
+            </a:r>
+          </a:p>
+          <a:p>
+            <a:pPr>
+              <a:lnSpc>
+                <a:spcPct val="150000"/>
+              </a:lnSpc>
+            </a:pPr>
+            <a:r>
+              <a:rPr lang="en-US" sz="1600" dirty="0"/>
+              <a:t>• Connect to hundreds of data sources on premises and in the cloud.</a:t>
+            </a:r>
+          </a:p>
+          <a:p>
+            <a:pPr>
+              <a:lnSpc>
+                <a:spcPct val="150000"/>
+              </a:lnSpc>
+            </a:pPr>
+            <a:r>
+              <a:rPr lang="en-US" sz="1600" dirty="0"/>
+              <a:t>• Use Power Query to simplify data ingestion, transformation, integration, and enrichment.</a:t>
+            </a:r>
+          </a:p>
+          <a:p>
+            <a:pPr>
+              <a:lnSpc>
+                <a:spcPct val="150000"/>
+              </a:lnSpc>
+            </a:pPr>
+            <a:r>
+              <a:rPr lang="en-US" sz="1600" dirty="0"/>
+              <a:t>• Create reports using built-in visuals or create your own custom visuals</a:t>
+            </a:r>
+            <a:r>
+              <a:rPr lang="en-US" dirty="0"/>
+              <a:t>.</a:t>
+            </a:r>
+          </a:p>
+          <a:p>
+            <a:endParaRPr lang="en-US" dirty="0"/>
           </a:p>
         </p:txBody>
       </p:sp>
@@ -28417,7 +30922,7 @@
   <p:cSld>
     <p:spTree>
       <p:nvGrpSpPr>
-        <p:cNvPr id="1" name="Shape 4299"/>
+        <p:cNvPr id="1" name=""/>
         <p:cNvGrpSpPr/>
         <p:nvPr/>
       </p:nvGrpSpPr>
@@ -28431,142 +30936,10 @@
       </p:grpSpPr>
       <p:sp>
         <p:nvSpPr>
-          <p:cNvPr id="4300" name="Google Shape;4300;p58"/>
-          <p:cNvSpPr txBox="1">
-            <a:spLocks noGrp="1"/>
-          </p:cNvSpPr>
-          <p:nvPr>
-            <p:ph type="title"/>
-          </p:nvPr>
-        </p:nvSpPr>
-        <p:spPr>
-          <a:xfrm>
-            <a:off x="2725055" y="540000"/>
-            <a:ext cx="3693900" cy="1058700"/>
-          </a:xfrm>
-          <a:prstGeom prst="rect">
-            <a:avLst/>
-          </a:prstGeom>
-        </p:spPr>
-        <p:txBody>
-          <a:bodyPr spcFirstLastPara="1" wrap="square" lIns="91425" tIns="91425" rIns="91425" bIns="91425" anchor="b" anchorCtr="0">
-            <a:noAutofit/>
-          </a:bodyPr>
-          <a:lstStyle/>
-          <a:p>
-            <a:pPr marL="0" lvl="0" indent="0" algn="ctr" rtl="0">
-              <a:spcBef>
-                <a:spcPts val="0"/>
-              </a:spcBef>
-              <a:spcAft>
-                <a:spcPts val="0"/>
-              </a:spcAft>
-              <a:buNone/>
-            </a:pPr>
-            <a:r>
-              <a:rPr lang="en"/>
-              <a:t>Thanks</a:t>
-            </a:r>
-            <a:endParaRPr/>
-          </a:p>
-        </p:txBody>
-      </p:sp>
-      <p:sp>
-        <p:nvSpPr>
-          <p:cNvPr id="4301" name="Google Shape;4301;p58"/>
-          <p:cNvSpPr txBox="1">
-            <a:spLocks noGrp="1"/>
-          </p:cNvSpPr>
-          <p:nvPr>
-            <p:ph type="subTitle" idx="1"/>
-          </p:nvPr>
-        </p:nvSpPr>
-        <p:spPr>
-          <a:xfrm>
-            <a:off x="2725049" y="1570328"/>
-            <a:ext cx="3693900" cy="1101000"/>
-          </a:xfrm>
-          <a:prstGeom prst="rect">
-            <a:avLst/>
-          </a:prstGeom>
-        </p:spPr>
-        <p:txBody>
-          <a:bodyPr spcFirstLastPara="1" wrap="square" lIns="91425" tIns="91425" rIns="91425" bIns="91425" anchor="t" anchorCtr="0">
-            <a:noAutofit/>
-          </a:bodyPr>
-          <a:lstStyle/>
-          <a:p>
-            <a:pPr marL="0" lvl="0" indent="0" algn="ctr" rtl="0">
-              <a:spcBef>
-                <a:spcPts val="0"/>
-              </a:spcBef>
-              <a:spcAft>
-                <a:spcPts val="0"/>
-              </a:spcAft>
-              <a:buNone/>
-            </a:pPr>
-            <a:r>
-              <a:rPr lang="en" b="1"/>
-              <a:t>Do you have any questions?</a:t>
-            </a:r>
-            <a:endParaRPr b="1"/>
-          </a:p>
-          <a:p>
-            <a:pPr marL="0" lvl="0" indent="0" algn="ctr" rtl="0">
-              <a:spcBef>
-                <a:spcPts val="0"/>
-              </a:spcBef>
-              <a:spcAft>
-                <a:spcPts val="0"/>
-              </a:spcAft>
-              <a:buNone/>
-            </a:pPr>
-            <a:r>
-              <a:rPr lang="en"/>
-              <a:t>youremail@freepik.com</a:t>
-            </a:r>
-            <a:endParaRPr/>
-          </a:p>
-          <a:p>
-            <a:pPr marL="0" lvl="0" indent="0" algn="ctr" rtl="0">
-              <a:spcBef>
-                <a:spcPts val="0"/>
-              </a:spcBef>
-              <a:spcAft>
-                <a:spcPts val="0"/>
-              </a:spcAft>
-              <a:buNone/>
-            </a:pPr>
-            <a:r>
-              <a:rPr lang="en"/>
-              <a:t>+34 654 321 432</a:t>
-            </a:r>
-            <a:endParaRPr/>
-          </a:p>
-          <a:p>
-            <a:pPr marL="0" lvl="0" indent="0" algn="ctr" rtl="0">
-              <a:spcBef>
-                <a:spcPts val="0"/>
-              </a:spcBef>
-              <a:spcAft>
-                <a:spcPts val="0"/>
-              </a:spcAft>
-              <a:buNone/>
-            </a:pPr>
-            <a:r>
-              <a:rPr lang="en"/>
-              <a:t>yourwebsite.com</a:t>
-            </a:r>
-            <a:endParaRPr/>
-          </a:p>
-        </p:txBody>
-      </p:sp>
-      <p:sp>
-        <p:nvSpPr>
           <p:cNvPr id="2" name="TextBox 1">
             <a:extLst>
               <a:ext uri="{FF2B5EF4-FFF2-40B4-BE49-F238E27FC236}">
-                <a16:creationId xmlns:a16="http://schemas.microsoft.com/office/drawing/2014/main" id="{121904A5-C12D-A492-3B87-554AB733C3AE}"/>
+                <a16:creationId xmlns:a16="http://schemas.microsoft.com/office/drawing/2014/main" id="{18048F35-C5EE-CC98-0768-7C4ACD128281}"/>
               </a:ext>
             </a:extLst>
           </p:cNvPr>
@@ -28575,15 +30948,13 @@
         </p:nvSpPr>
         <p:spPr>
           <a:xfrm>
-            <a:off x="2338466" y="3455233"/>
-            <a:ext cx="4482059" cy="599606"/>
+            <a:off x="148683" y="215590"/>
+            <a:ext cx="8616176" cy="553998"/>
           </a:xfrm>
           <a:prstGeom prst="rect">
             <a:avLst/>
           </a:prstGeom>
-          <a:solidFill>
-            <a:srgbClr val="E0EEEC"/>
-          </a:solidFill>
+          <a:noFill/>
         </p:spPr>
         <p:txBody>
           <a:bodyPr wrap="square" rtlCol="0">
@@ -28591,11 +30962,147 @@
           </a:bodyPr>
           <a:lstStyle/>
           <a:p>
-            <a:endParaRPr lang="en-US" dirty="0"/>
+            <a:r>
+              <a:rPr kumimoji="0" lang="en-US" sz="3000" b="1" i="0" u="none" strike="noStrike" kern="0" cap="none" spc="0" normalizeH="0" baseline="0" noProof="0" dirty="0">
+                <a:ln>
+                  <a:noFill/>
+                </a:ln>
+                <a:solidFill>
+                  <a:srgbClr val="3A4443"/>
+                </a:solidFill>
+                <a:effectLst/>
+                <a:uLnTx/>
+                <a:uFillTx/>
+                <a:latin typeface="Coustard"/>
+                <a:sym typeface="Coustard"/>
+              </a:rPr>
+              <a:t>Why Power BI?</a:t>
+            </a:r>
+            <a:endParaRPr lang="en-US" sz="1600" dirty="0"/>
+          </a:p>
+        </p:txBody>
+      </p:sp>
+      <p:sp>
+        <p:nvSpPr>
+          <p:cNvPr id="3" name="TextBox 2">
+            <a:extLst>
+              <a:ext uri="{FF2B5EF4-FFF2-40B4-BE49-F238E27FC236}">
+                <a16:creationId xmlns:a16="http://schemas.microsoft.com/office/drawing/2014/main" id="{D8F230E6-24A5-1FD9-60E5-699A5BE4202B}"/>
+              </a:ext>
+            </a:extLst>
+          </p:cNvPr>
+          <p:cNvSpPr txBox="1"/>
+          <p:nvPr/>
+        </p:nvSpPr>
+        <p:spPr>
+          <a:xfrm>
+            <a:off x="252761" y="877230"/>
+            <a:ext cx="8408020" cy="2816156"/>
+          </a:xfrm>
+          <a:prstGeom prst="rect">
+            <a:avLst/>
+          </a:prstGeom>
+          <a:noFill/>
+        </p:spPr>
+        <p:txBody>
+          <a:bodyPr wrap="square" rtlCol="0">
+            <a:spAutoFit/>
+          </a:bodyPr>
+          <a:lstStyle/>
+          <a:p>
+            <a:pPr>
+              <a:lnSpc>
+                <a:spcPct val="150000"/>
+              </a:lnSpc>
+            </a:pPr>
+            <a:r>
+              <a:rPr lang="en-US" sz="1300" b="1" dirty="0"/>
+              <a:t>• Rely on one of the largest and fastest growing business intelligence clouds.</a:t>
+            </a:r>
+          </a:p>
+          <a:p>
+            <a:r>
+              <a:rPr lang="en-US" sz="1300" b="1" dirty="0"/>
+              <a:t>• Create and share interactive data visualizations across global data centers, including</a:t>
+            </a:r>
+          </a:p>
+          <a:p>
+            <a:r>
+              <a:rPr lang="en-US" sz="1300" b="1" dirty="0"/>
+              <a:t>national clouds to meet your compliance and regulation needs.</a:t>
+            </a:r>
+          </a:p>
+          <a:p>
+            <a:pPr>
+              <a:lnSpc>
+                <a:spcPct val="150000"/>
+              </a:lnSpc>
+            </a:pPr>
+            <a:r>
+              <a:rPr lang="en-US" sz="1300" b="1" dirty="0"/>
+              <a:t>• Better protect Power BI data with Microsoft Information Protection and Microsoft Cloud App Security.</a:t>
+            </a:r>
+          </a:p>
+          <a:p>
+            <a:pPr>
+              <a:lnSpc>
+                <a:spcPct val="150000"/>
+              </a:lnSpc>
+            </a:pPr>
+            <a:r>
+              <a:rPr lang="en-US" dirty="0"/>
+              <a:t>	•Apply sensitivity labels familiar in Office365 apps like Word, Excel, PowerPoint, and</a:t>
+            </a:r>
+          </a:p>
+          <a:p>
+            <a:r>
+              <a:rPr lang="en-US" dirty="0"/>
+              <a:t>	  Outlook to Power BI data.</a:t>
+            </a:r>
+          </a:p>
+          <a:p>
+            <a:pPr>
+              <a:lnSpc>
+                <a:spcPct val="150000"/>
+              </a:lnSpc>
+            </a:pPr>
+            <a:r>
+              <a:rPr lang="en-US" dirty="0"/>
+              <a:t>	•Extend protection and governance policies to Power BI data—including exported</a:t>
+            </a:r>
+          </a:p>
+          <a:p>
+            <a:r>
+              <a:rPr lang="en-US" dirty="0"/>
+              <a:t>	  data—with Microsoft Information Protection.</a:t>
+            </a:r>
+          </a:p>
+          <a:p>
+            <a:r>
+              <a:rPr lang="en-US" dirty="0"/>
+              <a:t>	•Better meet privacy and regulatory requirements with oversight of sensitive data</a:t>
+            </a:r>
+          </a:p>
+          <a:p>
+            <a:r>
+              <a:rPr lang="en-US" dirty="0"/>
+              <a:t>	  through Microsoft Cloud App Security.</a:t>
+            </a:r>
+          </a:p>
+          <a:p>
+            <a:r>
+              <a:rPr lang="en-US" dirty="0"/>
+              <a:t>	•Help prevent exposure of sensitive data by blocking risky user activities, in real </a:t>
+            </a:r>
           </a:p>
         </p:txBody>
       </p:sp>
     </p:spTree>
+    <p:extLst>
+      <p:ext uri="{BB962C8B-B14F-4D97-AF65-F5344CB8AC3E}">
+        <p14:creationId xmlns:p14="http://schemas.microsoft.com/office/powerpoint/2010/main" val="3151685282"/>
+      </p:ext>
+    </p:extLst>
   </p:cSld>
   <p:clrMapOvr>
     <a:masterClrMapping/>

--- a/PowerPoints.pptx
+++ b/PowerPoints.pptx
@@ -7,7 +7,7 @@
     <p:sldMasterId id="2147483676" r:id="rId3"/>
   </p:sldMasterIdLst>
   <p:notesMasterIdLst>
-    <p:notesMasterId r:id="rId20"/>
+    <p:notesMasterId r:id="rId19"/>
   </p:notesMasterIdLst>
   <p:sldIdLst>
     <p:sldId id="256" r:id="rId4"/>
@@ -25,48 +25,47 @@
     <p:sldId id="309" r:id="rId16"/>
     <p:sldId id="310" r:id="rId17"/>
     <p:sldId id="285" r:id="rId18"/>
-    <p:sldId id="290" r:id="rId19"/>
   </p:sldIdLst>
   <p:sldSz cx="9144000" cy="5143500" type="screen16x9"/>
   <p:notesSz cx="6858000" cy="9144000"/>
   <p:embeddedFontLst>
     <p:embeddedFont>
       <p:font typeface="Abel" panose="02000506030000020004" pitchFamily="2" charset="0"/>
-      <p:regular r:id="rId21"/>
+      <p:regular r:id="rId20"/>
     </p:embeddedFont>
     <p:embeddedFont>
       <p:font typeface="Calibri" panose="020F0502020204030204" pitchFamily="34" charset="0"/>
-      <p:regular r:id="rId22"/>
-      <p:bold r:id="rId23"/>
-      <p:italic r:id="rId24"/>
-      <p:boldItalic r:id="rId25"/>
+      <p:regular r:id="rId21"/>
+      <p:bold r:id="rId22"/>
+      <p:italic r:id="rId23"/>
+      <p:boldItalic r:id="rId24"/>
     </p:embeddedFont>
     <p:embeddedFont>
       <p:font typeface="Coustard" panose="020B0604020202020204" charset="0"/>
+      <p:regular r:id="rId25"/>
+    </p:embeddedFont>
+    <p:embeddedFont>
+      <p:font typeface="Didact Gothic" panose="00000500000000000000" pitchFamily="2" charset="0"/>
       <p:regular r:id="rId26"/>
     </p:embeddedFont>
     <p:embeddedFont>
-      <p:font typeface="Didact Gothic" panose="00000500000000000000" pitchFamily="2" charset="0"/>
+      <p:font typeface="Proxima Nova" panose="020B0604020202020204" charset="0"/>
       <p:regular r:id="rId27"/>
-    </p:embeddedFont>
-    <p:embeddedFont>
-      <p:font typeface="Proxima Nova" panose="020B0604020202020204" charset="0"/>
-      <p:regular r:id="rId28"/>
-      <p:bold r:id="rId29"/>
-      <p:italic r:id="rId30"/>
-      <p:boldItalic r:id="rId31"/>
+      <p:bold r:id="rId28"/>
+      <p:italic r:id="rId29"/>
+      <p:boldItalic r:id="rId30"/>
     </p:embeddedFont>
     <p:embeddedFont>
       <p:font typeface="Raleway" pitchFamily="2" charset="0"/>
-      <p:regular r:id="rId32"/>
-      <p:bold r:id="rId33"/>
-      <p:italic r:id="rId34"/>
-      <p:boldItalic r:id="rId35"/>
+      <p:regular r:id="rId31"/>
+      <p:bold r:id="rId32"/>
+      <p:italic r:id="rId33"/>
+      <p:boldItalic r:id="rId34"/>
     </p:embeddedFont>
     <p:embeddedFont>
       <p:font typeface="Roboto Condensed Light" panose="02000000000000000000" pitchFamily="2" charset="0"/>
-      <p:regular r:id="rId36"/>
-      <p:italic r:id="rId37"/>
+      <p:regular r:id="rId35"/>
+      <p:italic r:id="rId36"/>
     </p:embeddedFont>
   </p:embeddedFontLst>
   <p:defaultTextStyle>
@@ -808,110 +807,6 @@
       <p:sp>
         <p:nvSpPr>
           <p:cNvPr id="260" name="Google Shape;260;gd1bf8d60a4_0_0:notes"/>
-          <p:cNvSpPr txBox="1">
-            <a:spLocks noGrp="1"/>
-          </p:cNvSpPr>
-          <p:nvPr>
-            <p:ph type="body" idx="1"/>
-          </p:nvPr>
-        </p:nvSpPr>
-        <p:spPr>
-          <a:xfrm>
-            <a:off x="685800" y="4343400"/>
-            <a:ext cx="5486400" cy="4114800"/>
-          </a:xfrm>
-          <a:prstGeom prst="rect">
-            <a:avLst/>
-          </a:prstGeom>
-        </p:spPr>
-        <p:txBody>
-          <a:bodyPr spcFirstLastPara="1" wrap="square" lIns="91425" tIns="91425" rIns="91425" bIns="91425" anchor="t" anchorCtr="0">
-            <a:noAutofit/>
-          </a:bodyPr>
-          <a:lstStyle/>
-          <a:p>
-            <a:pPr marL="0" lvl="0" indent="0" algn="l" rtl="0">
-              <a:spcBef>
-                <a:spcPts val="0"/>
-              </a:spcBef>
-              <a:spcAft>
-                <a:spcPts val="0"/>
-              </a:spcAft>
-              <a:buNone/>
-            </a:pPr>
-            <a:endParaRPr/>
-          </a:p>
-        </p:txBody>
-      </p:sp>
-    </p:spTree>
-  </p:cSld>
-  <p:clrMapOvr>
-    <a:masterClrMapping/>
-  </p:clrMapOvr>
-</p:notes>
-</file>
-
-<file path=ppt/notesSlides/notesSlide10.xml><?xml version="1.0" encoding="utf-8"?>
-<p:notes xmlns:a="http://schemas.openxmlformats.org/drawingml/2006/main" xmlns:r="http://schemas.openxmlformats.org/officeDocument/2006/relationships" xmlns:p="http://schemas.openxmlformats.org/presentationml/2006/main" showMasterSp="0" showMasterPhAnim="0">
-  <p:cSld>
-    <p:spTree>
-      <p:nvGrpSpPr>
-        <p:cNvPr id="1" name="Shape 4752"/>
-        <p:cNvGrpSpPr/>
-        <p:nvPr/>
-      </p:nvGrpSpPr>
-      <p:grpSpPr>
-        <a:xfrm>
-          <a:off x="0" y="0"/>
-          <a:ext cx="0" cy="0"/>
-          <a:chOff x="0" y="0"/>
-          <a:chExt cx="0" cy="0"/>
-        </a:xfrm>
-      </p:grpSpPr>
-      <p:sp>
-        <p:nvSpPr>
-          <p:cNvPr id="4753" name="Google Shape;4753;g27473d8f4cd_0_15870:notes"/>
-          <p:cNvSpPr>
-            <a:spLocks noGrp="1" noRot="1" noChangeAspect="1"/>
-          </p:cNvSpPr>
-          <p:nvPr>
-            <p:ph type="sldImg" idx="2"/>
-          </p:nvPr>
-        </p:nvSpPr>
-        <p:spPr>
-          <a:xfrm>
-            <a:off x="381000" y="685800"/>
-            <a:ext cx="6096000" cy="3429000"/>
-          </a:xfrm>
-          <a:custGeom>
-            <a:avLst/>
-            <a:gdLst/>
-            <a:ahLst/>
-            <a:cxnLst/>
-            <a:rect l="l" t="t" r="r" b="b"/>
-            <a:pathLst>
-              <a:path w="120000" h="120000" extrusionOk="0">
-                <a:moveTo>
-                  <a:pt x="0" y="0"/>
-                </a:moveTo>
-                <a:lnTo>
-                  <a:pt x="120000" y="0"/>
-                </a:lnTo>
-                <a:lnTo>
-                  <a:pt x="120000" y="120000"/>
-                </a:lnTo>
-                <a:lnTo>
-                  <a:pt x="0" y="120000"/>
-                </a:lnTo>
-                <a:close/>
-              </a:path>
-            </a:pathLst>
-          </a:custGeom>
-        </p:spPr>
-      </p:sp>
-      <p:sp>
-        <p:nvSpPr>
-          <p:cNvPr id="4754" name="Google Shape;4754;g27473d8f4cd_0_15870:notes"/>
           <p:cNvSpPr txBox="1">
             <a:spLocks noGrp="1"/>
           </p:cNvSpPr>
@@ -19398,9 +19293,6 @@
             <a:off x="2725055" y="540000"/>
             <a:ext cx="3693900" cy="1058700"/>
           </a:xfrm>
-          <a:prstGeom prst="rect">
-            <a:avLst/>
-          </a:prstGeom>
         </p:spPr>
         <p:txBody>
           <a:bodyPr spcFirstLastPara="1" wrap="square" lIns="91425" tIns="91425" rIns="91425" bIns="91425" anchor="b" anchorCtr="0">
@@ -19408,20 +19300,11 @@
           </a:bodyPr>
           <a:lstStyle/>
           <a:p>
-            <a:pPr marL="0" lvl="0" indent="0" algn="ctr" rtl="0">
-              <a:spcBef>
-                <a:spcPts val="0"/>
-              </a:spcBef>
-              <a:spcAft>
-                <a:spcPts val="0"/>
-              </a:spcAft>
-              <a:buNone/>
-            </a:pPr>
+            <a:pPr lvl="0"/>
             <a:r>
-              <a:rPr lang="en"/>
+              <a:rPr lang="en-US"/>
               <a:t>Thanks</a:t>
             </a:r>
-            <a:endParaRPr/>
           </a:p>
         </p:txBody>
       </p:sp>
@@ -19438,11 +19321,8 @@
         <p:spPr>
           <a:xfrm>
             <a:off x="2725049" y="1570328"/>
-            <a:ext cx="3693900" cy="488931"/>
+            <a:ext cx="3693900" cy="1101000"/>
           </a:xfrm>
-          <a:prstGeom prst="rect">
-            <a:avLst/>
-          </a:prstGeom>
         </p:spPr>
         <p:txBody>
           <a:bodyPr spcFirstLastPara="1" wrap="square" lIns="91425" tIns="91425" rIns="91425" bIns="91425" anchor="t" anchorCtr="0">
@@ -19450,20 +19330,11 @@
           </a:bodyPr>
           <a:lstStyle/>
           <a:p>
-            <a:pPr marL="0" lvl="0" indent="0" algn="ctr" rtl="0">
-              <a:spcBef>
-                <a:spcPts val="0"/>
-              </a:spcBef>
-              <a:spcAft>
-                <a:spcPts val="0"/>
-              </a:spcAft>
-              <a:buNone/>
-            </a:pPr>
+            <a:pPr lvl="0"/>
             <a:r>
-              <a:rPr lang="en" b="1" dirty="0"/>
+              <a:rPr lang="en-US" dirty="0"/>
               <a:t>Do you have any questions?</a:t>
             </a:r>
-            <a:endParaRPr b="1" dirty="0"/>
           </a:p>
         </p:txBody>
       </p:sp>
@@ -19516,7 +19387,7 @@
           <p:nvPr>
             <p:extLst>
               <p:ext uri="{D42A27DB-BD31-4B8C-83A1-F6EECF244321}">
-                <p14:modId xmlns:p14="http://schemas.microsoft.com/office/powerpoint/2010/main" val="4150134798"/>
+                <p14:modId xmlns:p14="http://schemas.microsoft.com/office/powerpoint/2010/main" val="83959459"/>
               </p:ext>
             </p:extLst>
           </p:nvPr>
@@ -19529,7 +19400,7 @@
           <a:graphicData uri="http://schemas.openxmlformats.org/drawingml/2006/table">
             <a:tbl>
               <a:tblPr firstRow="1" bandRow="1">
-                <a:tableStyleId>{D03447BB-5D67-496B-8E87-E561075AD55C}</a:tableStyleId>
+                <a:tableStyleId>{69C7853C-536D-4A76-A0AE-DD22124D55A5}</a:tableStyleId>
               </a:tblPr>
               <a:tblGrid>
                 <a:gridCol w="3187006">
@@ -19564,9 +19435,7 @@
                             </a:solidFill>
                           </a:ln>
                           <a:solidFill>
-                            <a:schemeClr val="accent6">
-                              <a:lumMod val="10000"/>
-                            </a:schemeClr>
+                            <a:schemeClr val="accent2"/>
                           </a:solidFill>
                           <a:effectLst>
                             <a:outerShdw blurRad="38100" dist="38100" dir="2700000" algn="tl">
@@ -19587,9 +19456,7 @@
                           </a:solidFill>
                         </a:ln>
                         <a:solidFill>
-                          <a:schemeClr val="accent6">
-                            <a:lumMod val="10000"/>
-                          </a:schemeClr>
+                          <a:schemeClr val="accent2"/>
                         </a:solidFill>
                         <a:effectLst>
                           <a:outerShdw blurRad="38100" dist="38100" dir="2700000" algn="tl">
@@ -19620,9 +19487,7 @@
                             </a:solidFill>
                           </a:ln>
                           <a:solidFill>
-                            <a:schemeClr val="accent6">
-                              <a:lumMod val="10000"/>
-                            </a:schemeClr>
+                            <a:schemeClr val="accent2"/>
                           </a:solidFill>
                           <a:effectLst>
                             <a:outerShdw blurRad="38100" dist="38100" dir="2700000" algn="tl">
@@ -19643,9 +19508,7 @@
                           </a:solidFill>
                         </a:ln>
                         <a:solidFill>
-                          <a:schemeClr val="accent6">
-                            <a:lumMod val="10000"/>
-                          </a:schemeClr>
+                          <a:schemeClr val="accent2"/>
                         </a:solidFill>
                         <a:effectLst>
                           <a:outerShdw blurRad="38100" dist="38100" dir="2700000" algn="tl">
@@ -20364,1291 +20227,6 @@
           </a:graphicData>
         </a:graphic>
       </p:graphicFrame>
-    </p:spTree>
-  </p:cSld>
-  <p:clrMapOvr>
-    <a:masterClrMapping/>
-  </p:clrMapOvr>
-</p:sld>
-</file>
-
-<file path=ppt/slides/slide16.xml><?xml version="1.0" encoding="utf-8"?>
-<p:sld xmlns:a="http://schemas.openxmlformats.org/drawingml/2006/main" xmlns:r="http://schemas.openxmlformats.org/officeDocument/2006/relationships" xmlns:p="http://schemas.openxmlformats.org/presentationml/2006/main">
-  <p:cSld>
-    <p:bg>
-      <p:bgPr>
-        <a:solidFill>
-          <a:srgbClr val="0E2A47"/>
-        </a:solidFill>
-        <a:effectLst/>
-      </p:bgPr>
-    </p:bg>
-    <p:spTree>
-      <p:nvGrpSpPr>
-        <p:cNvPr id="1" name="Shape 4755"/>
-        <p:cNvGrpSpPr/>
-        <p:nvPr/>
-      </p:nvGrpSpPr>
-      <p:grpSpPr>
-        <a:xfrm>
-          <a:off x="0" y="0"/>
-          <a:ext cx="0" cy="0"/>
-          <a:chOff x="0" y="0"/>
-          <a:chExt cx="0" cy="0"/>
-        </a:xfrm>
-      </p:grpSpPr>
-      <p:sp>
-        <p:nvSpPr>
-          <p:cNvPr id="4756" name="Google Shape;4756;p63"/>
-          <p:cNvSpPr txBox="1"/>
-          <p:nvPr/>
-        </p:nvSpPr>
-        <p:spPr>
-          <a:xfrm>
-            <a:off x="716700" y="1188000"/>
-            <a:ext cx="7710600" cy="1425900"/>
-          </a:xfrm>
-          <a:prstGeom prst="rect">
-            <a:avLst/>
-          </a:prstGeom>
-          <a:noFill/>
-          <a:ln>
-            <a:noFill/>
-          </a:ln>
-        </p:spPr>
-        <p:txBody>
-          <a:bodyPr spcFirstLastPara="1" wrap="square" lIns="91425" tIns="91425" rIns="91425" bIns="91425" anchor="t" anchorCtr="0">
-            <a:noAutofit/>
-          </a:bodyPr>
-          <a:lstStyle/>
-          <a:p>
-            <a:pPr marL="0" lvl="0" indent="0" algn="ctr" rtl="0">
-              <a:spcBef>
-                <a:spcPts val="0"/>
-              </a:spcBef>
-              <a:spcAft>
-                <a:spcPts val="0"/>
-              </a:spcAft>
-              <a:buClr>
-                <a:schemeClr val="dk1"/>
-              </a:buClr>
-              <a:buSzPts val="1100"/>
-              <a:buFont typeface="Arial"/>
-              <a:buNone/>
-            </a:pPr>
-            <a:r>
-              <a:rPr lang="en" sz="1100">
-                <a:solidFill>
-                  <a:schemeClr val="lt1"/>
-                </a:solidFill>
-              </a:rPr>
-              <a:t>This presentation has been made using the following fonts:</a:t>
-            </a:r>
-            <a:endParaRPr sz="1100">
-              <a:solidFill>
-                <a:schemeClr val="lt1"/>
-              </a:solidFill>
-            </a:endParaRPr>
-          </a:p>
-          <a:p>
-            <a:pPr marL="0" lvl="0" indent="0" algn="ctr" rtl="0">
-              <a:spcBef>
-                <a:spcPts val="1000"/>
-              </a:spcBef>
-              <a:spcAft>
-                <a:spcPts val="0"/>
-              </a:spcAft>
-              <a:buClr>
-                <a:schemeClr val="dk1"/>
-              </a:buClr>
-              <a:buSzPts val="1100"/>
-              <a:buFont typeface="Arial"/>
-              <a:buNone/>
-            </a:pPr>
-            <a:r>
-              <a:rPr lang="en" sz="1100" b="1">
-                <a:solidFill>
-                  <a:schemeClr val="lt1"/>
-                </a:solidFill>
-              </a:rPr>
-              <a:t>Coustard</a:t>
-            </a:r>
-            <a:endParaRPr sz="1100" b="1">
-              <a:solidFill>
-                <a:schemeClr val="lt1"/>
-              </a:solidFill>
-            </a:endParaRPr>
-          </a:p>
-          <a:p>
-            <a:pPr marL="0" lvl="0" indent="0" algn="ctr" rtl="0">
-              <a:spcBef>
-                <a:spcPts val="0"/>
-              </a:spcBef>
-              <a:spcAft>
-                <a:spcPts val="0"/>
-              </a:spcAft>
-              <a:buClr>
-                <a:schemeClr val="dk1"/>
-              </a:buClr>
-              <a:buSzPts val="1100"/>
-              <a:buFont typeface="Arial"/>
-              <a:buNone/>
-            </a:pPr>
-            <a:r>
-              <a:rPr lang="en" sz="1100">
-                <a:solidFill>
-                  <a:schemeClr val="lt1"/>
-                </a:solidFill>
-              </a:rPr>
-              <a:t>(</a:t>
-            </a:r>
-            <a:r>
-              <a:rPr lang="en" sz="1100" u="sng">
-                <a:solidFill>
-                  <a:schemeClr val="hlink"/>
-                </a:solidFill>
-                <a:hlinkClick r:id="rId3"/>
-              </a:rPr>
-              <a:t>https://fonts.google.com/specimen/Coustard</a:t>
-            </a:r>
-            <a:r>
-              <a:rPr lang="en" sz="1100">
-                <a:solidFill>
-                  <a:schemeClr val="lt1"/>
-                </a:solidFill>
-              </a:rPr>
-              <a:t>)</a:t>
-            </a:r>
-            <a:endParaRPr sz="1100">
-              <a:solidFill>
-                <a:schemeClr val="lt1"/>
-              </a:solidFill>
-            </a:endParaRPr>
-          </a:p>
-          <a:p>
-            <a:pPr marL="0" lvl="0" indent="0" algn="ctr" rtl="0">
-              <a:spcBef>
-                <a:spcPts val="0"/>
-              </a:spcBef>
-              <a:spcAft>
-                <a:spcPts val="0"/>
-              </a:spcAft>
-              <a:buClr>
-                <a:schemeClr val="dk1"/>
-              </a:buClr>
-              <a:buSzPts val="1100"/>
-              <a:buFont typeface="Arial"/>
-              <a:buNone/>
-            </a:pPr>
-            <a:endParaRPr sz="1100">
-              <a:solidFill>
-                <a:schemeClr val="lt1"/>
-              </a:solidFill>
-            </a:endParaRPr>
-          </a:p>
-          <a:p>
-            <a:pPr marL="0" lvl="0" indent="0" algn="ctr" rtl="0">
-              <a:spcBef>
-                <a:spcPts val="0"/>
-              </a:spcBef>
-              <a:spcAft>
-                <a:spcPts val="0"/>
-              </a:spcAft>
-              <a:buClr>
-                <a:schemeClr val="dk1"/>
-              </a:buClr>
-              <a:buSzPts val="1100"/>
-              <a:buFont typeface="Arial"/>
-              <a:buNone/>
-            </a:pPr>
-            <a:r>
-              <a:rPr lang="en" sz="1100" b="1">
-                <a:solidFill>
-                  <a:schemeClr val="lt1"/>
-                </a:solidFill>
-              </a:rPr>
-              <a:t>Didact Gothic</a:t>
-            </a:r>
-            <a:endParaRPr sz="1100" b="1">
-              <a:solidFill>
-                <a:schemeClr val="lt1"/>
-              </a:solidFill>
-            </a:endParaRPr>
-          </a:p>
-          <a:p>
-            <a:pPr marL="0" lvl="0" indent="0" algn="ctr" rtl="0">
-              <a:spcBef>
-                <a:spcPts val="0"/>
-              </a:spcBef>
-              <a:spcAft>
-                <a:spcPts val="0"/>
-              </a:spcAft>
-              <a:buClr>
-                <a:schemeClr val="dk1"/>
-              </a:buClr>
-              <a:buSzPts val="1100"/>
-              <a:buFont typeface="Arial"/>
-              <a:buNone/>
-            </a:pPr>
-            <a:r>
-              <a:rPr lang="en" sz="1100">
-                <a:solidFill>
-                  <a:schemeClr val="lt1"/>
-                </a:solidFill>
-              </a:rPr>
-              <a:t>(</a:t>
-            </a:r>
-            <a:r>
-              <a:rPr lang="en" sz="1100" u="sng">
-                <a:solidFill>
-                  <a:schemeClr val="hlink"/>
-                </a:solidFill>
-                <a:hlinkClick r:id="rId4"/>
-              </a:rPr>
-              <a:t>https://fonts.google.com/specimen/Didact+Gothic</a:t>
-            </a:r>
-            <a:r>
-              <a:rPr lang="en" sz="1100">
-                <a:solidFill>
-                  <a:schemeClr val="lt1"/>
-                </a:solidFill>
-              </a:rPr>
-              <a:t>)</a:t>
-            </a:r>
-            <a:endParaRPr sz="1100">
-              <a:solidFill>
-                <a:srgbClr val="FFFFFF"/>
-              </a:solidFill>
-            </a:endParaRPr>
-          </a:p>
-        </p:txBody>
-      </p:sp>
-      <p:sp>
-        <p:nvSpPr>
-          <p:cNvPr id="4757" name="Google Shape;4757;p63"/>
-          <p:cNvSpPr txBox="1">
-            <a:spLocks noGrp="1"/>
-          </p:cNvSpPr>
-          <p:nvPr>
-            <p:ph type="title"/>
-          </p:nvPr>
-        </p:nvSpPr>
-        <p:spPr>
-          <a:xfrm>
-            <a:off x="716775" y="510900"/>
-            <a:ext cx="7710600" cy="482400"/>
-          </a:xfrm>
-          <a:prstGeom prst="rect">
-            <a:avLst/>
-          </a:prstGeom>
-        </p:spPr>
-        <p:txBody>
-          <a:bodyPr spcFirstLastPara="1" wrap="square" lIns="91425" tIns="91425" rIns="91425" bIns="91425" anchor="t" anchorCtr="0">
-            <a:noAutofit/>
-          </a:bodyPr>
-          <a:lstStyle/>
-          <a:p>
-            <a:pPr marL="0" lvl="0" indent="0" algn="ctr" rtl="0">
-              <a:spcBef>
-                <a:spcPts val="0"/>
-              </a:spcBef>
-              <a:spcAft>
-                <a:spcPts val="0"/>
-              </a:spcAft>
-              <a:buNone/>
-            </a:pPr>
-            <a:r>
-              <a:rPr lang="en">
-                <a:solidFill>
-                  <a:schemeClr val="lt1"/>
-                </a:solidFill>
-              </a:rPr>
-              <a:t>Fonts &amp; colors used</a:t>
-            </a:r>
-            <a:endParaRPr/>
-          </a:p>
-        </p:txBody>
-      </p:sp>
-      <p:sp>
-        <p:nvSpPr>
-          <p:cNvPr id="4758" name="Google Shape;4758;p63"/>
-          <p:cNvSpPr/>
-          <p:nvPr/>
-        </p:nvSpPr>
-        <p:spPr>
-          <a:xfrm>
-            <a:off x="2052650" y="2947800"/>
-            <a:ext cx="791400" cy="754200"/>
-          </a:xfrm>
-          <a:prstGeom prst="roundRect">
-            <a:avLst>
-              <a:gd name="adj" fmla="val 16667"/>
-            </a:avLst>
-          </a:prstGeom>
-          <a:solidFill>
-            <a:srgbClr val="3A4443"/>
-          </a:solidFill>
-          <a:ln w="9525" cap="flat" cmpd="sng">
-            <a:solidFill>
-              <a:srgbClr val="FFFFFF"/>
-            </a:solidFill>
-            <a:prstDash val="solid"/>
-            <a:round/>
-            <a:headEnd type="none" w="sm" len="sm"/>
-            <a:tailEnd type="none" w="sm" len="sm"/>
-          </a:ln>
-        </p:spPr>
-        <p:txBody>
-          <a:bodyPr spcFirstLastPara="1" wrap="square" lIns="91425" tIns="91425" rIns="91425" bIns="91425" anchor="ctr" anchorCtr="0">
-            <a:noAutofit/>
-          </a:bodyPr>
-          <a:lstStyle/>
-          <a:p>
-            <a:pPr marL="0" lvl="0" indent="0" algn="l" rtl="0">
-              <a:spcBef>
-                <a:spcPts val="0"/>
-              </a:spcBef>
-              <a:spcAft>
-                <a:spcPts val="0"/>
-              </a:spcAft>
-              <a:buNone/>
-            </a:pPr>
-            <a:endParaRPr/>
-          </a:p>
-        </p:txBody>
-      </p:sp>
-      <p:sp>
-        <p:nvSpPr>
-          <p:cNvPr id="4759" name="Google Shape;4759;p63"/>
-          <p:cNvSpPr/>
-          <p:nvPr/>
-        </p:nvSpPr>
-        <p:spPr>
-          <a:xfrm>
-            <a:off x="3114470" y="2947800"/>
-            <a:ext cx="791400" cy="754200"/>
-          </a:xfrm>
-          <a:prstGeom prst="roundRect">
-            <a:avLst>
-              <a:gd name="adj" fmla="val 16667"/>
-            </a:avLst>
-          </a:prstGeom>
-          <a:solidFill>
-            <a:srgbClr val="E0EEEC"/>
-          </a:solidFill>
-          <a:ln w="9525" cap="flat" cmpd="sng">
-            <a:solidFill>
-              <a:srgbClr val="FFFFFF"/>
-            </a:solidFill>
-            <a:prstDash val="solid"/>
-            <a:round/>
-            <a:headEnd type="none" w="sm" len="sm"/>
-            <a:tailEnd type="none" w="sm" len="sm"/>
-          </a:ln>
-        </p:spPr>
-        <p:txBody>
-          <a:bodyPr spcFirstLastPara="1" wrap="square" lIns="91425" tIns="91425" rIns="91425" bIns="91425" anchor="ctr" anchorCtr="0">
-            <a:noAutofit/>
-          </a:bodyPr>
-          <a:lstStyle/>
-          <a:p>
-            <a:pPr marL="0" lvl="0" indent="0" algn="l" rtl="0">
-              <a:spcBef>
-                <a:spcPts val="0"/>
-              </a:spcBef>
-              <a:spcAft>
-                <a:spcPts val="0"/>
-              </a:spcAft>
-              <a:buNone/>
-            </a:pPr>
-            <a:endParaRPr/>
-          </a:p>
-        </p:txBody>
-      </p:sp>
-      <p:sp>
-        <p:nvSpPr>
-          <p:cNvPr id="4760" name="Google Shape;4760;p63"/>
-          <p:cNvSpPr/>
-          <p:nvPr/>
-        </p:nvSpPr>
-        <p:spPr>
-          <a:xfrm>
-            <a:off x="4176289" y="2947800"/>
-            <a:ext cx="791400" cy="754200"/>
-          </a:xfrm>
-          <a:prstGeom prst="roundRect">
-            <a:avLst>
-              <a:gd name="adj" fmla="val 16667"/>
-            </a:avLst>
-          </a:prstGeom>
-          <a:solidFill>
-            <a:srgbClr val="B6CAC7"/>
-          </a:solidFill>
-          <a:ln w="9525" cap="flat" cmpd="sng">
-            <a:solidFill>
-              <a:srgbClr val="FFFFFF"/>
-            </a:solidFill>
-            <a:prstDash val="solid"/>
-            <a:round/>
-            <a:headEnd type="none" w="sm" len="sm"/>
-            <a:tailEnd type="none" w="sm" len="sm"/>
-          </a:ln>
-        </p:spPr>
-        <p:txBody>
-          <a:bodyPr spcFirstLastPara="1" wrap="square" lIns="91425" tIns="91425" rIns="91425" bIns="91425" anchor="ctr" anchorCtr="0">
-            <a:noAutofit/>
-          </a:bodyPr>
-          <a:lstStyle/>
-          <a:p>
-            <a:pPr marL="0" lvl="0" indent="0" algn="l" rtl="0">
-              <a:spcBef>
-                <a:spcPts val="0"/>
-              </a:spcBef>
-              <a:spcAft>
-                <a:spcPts val="0"/>
-              </a:spcAft>
-              <a:buNone/>
-            </a:pPr>
-            <a:endParaRPr/>
-          </a:p>
-        </p:txBody>
-      </p:sp>
-      <p:sp>
-        <p:nvSpPr>
-          <p:cNvPr id="4761" name="Google Shape;4761;p63"/>
-          <p:cNvSpPr txBox="1"/>
-          <p:nvPr/>
-        </p:nvSpPr>
-        <p:spPr>
-          <a:xfrm>
-            <a:off x="2052650" y="3104850"/>
-            <a:ext cx="791400" cy="440100"/>
-          </a:xfrm>
-          <a:prstGeom prst="rect">
-            <a:avLst/>
-          </a:prstGeom>
-          <a:noFill/>
-          <a:ln>
-            <a:noFill/>
-          </a:ln>
-        </p:spPr>
-        <p:txBody>
-          <a:bodyPr spcFirstLastPara="1" wrap="square" lIns="91425" tIns="91425" rIns="91425" bIns="91425" anchor="ctr" anchorCtr="0">
-            <a:noAutofit/>
-          </a:bodyPr>
-          <a:lstStyle/>
-          <a:p>
-            <a:pPr marL="0" lvl="0" indent="0" algn="ctr" rtl="0">
-              <a:spcBef>
-                <a:spcPts val="0"/>
-              </a:spcBef>
-              <a:spcAft>
-                <a:spcPts val="0"/>
-              </a:spcAft>
-              <a:buNone/>
-            </a:pPr>
-            <a:r>
-              <a:rPr lang="en" sz="1000">
-                <a:solidFill>
-                  <a:srgbClr val="FFFFFF"/>
-                </a:solidFill>
-              </a:rPr>
-              <a:t>#3a4443</a:t>
-            </a:r>
-            <a:endParaRPr sz="1000">
-              <a:solidFill>
-                <a:srgbClr val="FFFFFF"/>
-              </a:solidFill>
-            </a:endParaRPr>
-          </a:p>
-        </p:txBody>
-      </p:sp>
-      <p:sp>
-        <p:nvSpPr>
-          <p:cNvPr id="4762" name="Google Shape;4762;p63"/>
-          <p:cNvSpPr txBox="1"/>
-          <p:nvPr/>
-        </p:nvSpPr>
-        <p:spPr>
-          <a:xfrm>
-            <a:off x="3114475" y="3104850"/>
-            <a:ext cx="791400" cy="440100"/>
-          </a:xfrm>
-          <a:prstGeom prst="rect">
-            <a:avLst/>
-          </a:prstGeom>
-          <a:noFill/>
-          <a:ln>
-            <a:noFill/>
-          </a:ln>
-        </p:spPr>
-        <p:txBody>
-          <a:bodyPr spcFirstLastPara="1" wrap="square" lIns="91425" tIns="91425" rIns="91425" bIns="91425" anchor="ctr" anchorCtr="0">
-            <a:noAutofit/>
-          </a:bodyPr>
-          <a:lstStyle/>
-          <a:p>
-            <a:pPr marL="0" lvl="0" indent="0" algn="ctr" rtl="0">
-              <a:spcBef>
-                <a:spcPts val="0"/>
-              </a:spcBef>
-              <a:spcAft>
-                <a:spcPts val="0"/>
-              </a:spcAft>
-              <a:buNone/>
-            </a:pPr>
-            <a:r>
-              <a:rPr lang="en" sz="1000">
-                <a:solidFill>
-                  <a:srgbClr val="3A4443"/>
-                </a:solidFill>
-              </a:rPr>
-              <a:t>#e0eeec</a:t>
-            </a:r>
-            <a:endParaRPr sz="1000">
-              <a:solidFill>
-                <a:srgbClr val="3A4443"/>
-              </a:solidFill>
-            </a:endParaRPr>
-          </a:p>
-        </p:txBody>
-      </p:sp>
-      <p:sp>
-        <p:nvSpPr>
-          <p:cNvPr id="4763" name="Google Shape;4763;p63"/>
-          <p:cNvSpPr txBox="1"/>
-          <p:nvPr/>
-        </p:nvSpPr>
-        <p:spPr>
-          <a:xfrm>
-            <a:off x="4176300" y="3104850"/>
-            <a:ext cx="791400" cy="440100"/>
-          </a:xfrm>
-          <a:prstGeom prst="rect">
-            <a:avLst/>
-          </a:prstGeom>
-          <a:noFill/>
-          <a:ln>
-            <a:noFill/>
-          </a:ln>
-        </p:spPr>
-        <p:txBody>
-          <a:bodyPr spcFirstLastPara="1" wrap="square" lIns="91425" tIns="91425" rIns="91425" bIns="91425" anchor="ctr" anchorCtr="0">
-            <a:noAutofit/>
-          </a:bodyPr>
-          <a:lstStyle/>
-          <a:p>
-            <a:pPr marL="0" lvl="0" indent="0" algn="ctr" rtl="0">
-              <a:spcBef>
-                <a:spcPts val="0"/>
-              </a:spcBef>
-              <a:spcAft>
-                <a:spcPts val="0"/>
-              </a:spcAft>
-              <a:buNone/>
-            </a:pPr>
-            <a:r>
-              <a:rPr lang="en" sz="1000">
-                <a:solidFill>
-                  <a:srgbClr val="3A4443"/>
-                </a:solidFill>
-              </a:rPr>
-              <a:t>#b6cac7</a:t>
-            </a:r>
-            <a:endParaRPr sz="1000">
-              <a:solidFill>
-                <a:srgbClr val="3A4443"/>
-              </a:solidFill>
-            </a:endParaRPr>
-          </a:p>
-        </p:txBody>
-      </p:sp>
-      <p:sp>
-        <p:nvSpPr>
-          <p:cNvPr id="4764" name="Google Shape;4764;p63"/>
-          <p:cNvSpPr/>
-          <p:nvPr/>
-        </p:nvSpPr>
-        <p:spPr>
-          <a:xfrm>
-            <a:off x="5238125" y="2947800"/>
-            <a:ext cx="791400" cy="754200"/>
-          </a:xfrm>
-          <a:prstGeom prst="roundRect">
-            <a:avLst>
-              <a:gd name="adj" fmla="val 16667"/>
-            </a:avLst>
-          </a:prstGeom>
-          <a:solidFill>
-            <a:srgbClr val="5F5F5F"/>
-          </a:solidFill>
-          <a:ln w="9525" cap="flat" cmpd="sng">
-            <a:solidFill>
-              <a:srgbClr val="FFFFFF"/>
-            </a:solidFill>
-            <a:prstDash val="solid"/>
-            <a:round/>
-            <a:headEnd type="none" w="sm" len="sm"/>
-            <a:tailEnd type="none" w="sm" len="sm"/>
-          </a:ln>
-        </p:spPr>
-        <p:txBody>
-          <a:bodyPr spcFirstLastPara="1" wrap="square" lIns="91425" tIns="91425" rIns="91425" bIns="91425" anchor="ctr" anchorCtr="0">
-            <a:noAutofit/>
-          </a:bodyPr>
-          <a:lstStyle/>
-          <a:p>
-            <a:pPr marL="0" lvl="0" indent="0" algn="l" rtl="0">
-              <a:spcBef>
-                <a:spcPts val="0"/>
-              </a:spcBef>
-              <a:spcAft>
-                <a:spcPts val="0"/>
-              </a:spcAft>
-              <a:buNone/>
-            </a:pPr>
-            <a:endParaRPr/>
-          </a:p>
-        </p:txBody>
-      </p:sp>
-      <p:sp>
-        <p:nvSpPr>
-          <p:cNvPr id="4765" name="Google Shape;4765;p63"/>
-          <p:cNvSpPr txBox="1"/>
-          <p:nvPr/>
-        </p:nvSpPr>
-        <p:spPr>
-          <a:xfrm>
-            <a:off x="5238125" y="3104850"/>
-            <a:ext cx="791400" cy="440100"/>
-          </a:xfrm>
-          <a:prstGeom prst="rect">
-            <a:avLst/>
-          </a:prstGeom>
-          <a:noFill/>
-          <a:ln>
-            <a:noFill/>
-          </a:ln>
-        </p:spPr>
-        <p:txBody>
-          <a:bodyPr spcFirstLastPara="1" wrap="square" lIns="91425" tIns="91425" rIns="91425" bIns="91425" anchor="ctr" anchorCtr="0">
-            <a:noAutofit/>
-          </a:bodyPr>
-          <a:lstStyle/>
-          <a:p>
-            <a:pPr marL="0" lvl="0" indent="0" algn="ctr" rtl="0">
-              <a:spcBef>
-                <a:spcPts val="0"/>
-              </a:spcBef>
-              <a:spcAft>
-                <a:spcPts val="0"/>
-              </a:spcAft>
-              <a:buNone/>
-            </a:pPr>
-            <a:r>
-              <a:rPr lang="en" sz="1000">
-                <a:solidFill>
-                  <a:srgbClr val="FFFFFF"/>
-                </a:solidFill>
-              </a:rPr>
-              <a:t>#5f5f5f</a:t>
-            </a:r>
-            <a:endParaRPr sz="1000">
-              <a:solidFill>
-                <a:srgbClr val="FFFFFF"/>
-              </a:solidFill>
-            </a:endParaRPr>
-          </a:p>
-        </p:txBody>
-      </p:sp>
-      <p:sp>
-        <p:nvSpPr>
-          <p:cNvPr id="4766" name="Google Shape;4766;p63"/>
-          <p:cNvSpPr/>
-          <p:nvPr/>
-        </p:nvSpPr>
-        <p:spPr>
-          <a:xfrm>
-            <a:off x="2052650" y="3878900"/>
-            <a:ext cx="791400" cy="754200"/>
-          </a:xfrm>
-          <a:prstGeom prst="roundRect">
-            <a:avLst>
-              <a:gd name="adj" fmla="val 16667"/>
-            </a:avLst>
-          </a:prstGeom>
-          <a:solidFill>
-            <a:srgbClr val="FFFFFF"/>
-          </a:solidFill>
-          <a:ln w="9525" cap="flat" cmpd="sng">
-            <a:solidFill>
-              <a:srgbClr val="FFFFFF"/>
-            </a:solidFill>
-            <a:prstDash val="solid"/>
-            <a:round/>
-            <a:headEnd type="none" w="sm" len="sm"/>
-            <a:tailEnd type="none" w="sm" len="sm"/>
-          </a:ln>
-        </p:spPr>
-        <p:txBody>
-          <a:bodyPr spcFirstLastPara="1" wrap="square" lIns="91425" tIns="91425" rIns="91425" bIns="91425" anchor="ctr" anchorCtr="0">
-            <a:noAutofit/>
-          </a:bodyPr>
-          <a:lstStyle/>
-          <a:p>
-            <a:pPr marL="0" lvl="0" indent="0" algn="l" rtl="0">
-              <a:spcBef>
-                <a:spcPts val="0"/>
-              </a:spcBef>
-              <a:spcAft>
-                <a:spcPts val="0"/>
-              </a:spcAft>
-              <a:buNone/>
-            </a:pPr>
-            <a:endParaRPr/>
-          </a:p>
-        </p:txBody>
-      </p:sp>
-      <p:sp>
-        <p:nvSpPr>
-          <p:cNvPr id="4767" name="Google Shape;4767;p63"/>
-          <p:cNvSpPr/>
-          <p:nvPr/>
-        </p:nvSpPr>
-        <p:spPr>
-          <a:xfrm>
-            <a:off x="3114470" y="3878900"/>
-            <a:ext cx="791400" cy="754200"/>
-          </a:xfrm>
-          <a:prstGeom prst="roundRect">
-            <a:avLst>
-              <a:gd name="adj" fmla="val 16667"/>
-            </a:avLst>
-          </a:prstGeom>
-          <a:solidFill>
-            <a:srgbClr val="7AA274"/>
-          </a:solidFill>
-          <a:ln w="9525" cap="flat" cmpd="sng">
-            <a:solidFill>
-              <a:srgbClr val="FFFFFF"/>
-            </a:solidFill>
-            <a:prstDash val="solid"/>
-            <a:round/>
-            <a:headEnd type="none" w="sm" len="sm"/>
-            <a:tailEnd type="none" w="sm" len="sm"/>
-          </a:ln>
-        </p:spPr>
-        <p:txBody>
-          <a:bodyPr spcFirstLastPara="1" wrap="square" lIns="91425" tIns="91425" rIns="91425" bIns="91425" anchor="ctr" anchorCtr="0">
-            <a:noAutofit/>
-          </a:bodyPr>
-          <a:lstStyle/>
-          <a:p>
-            <a:pPr marL="0" lvl="0" indent="0" algn="l" rtl="0">
-              <a:spcBef>
-                <a:spcPts val="0"/>
-              </a:spcBef>
-              <a:spcAft>
-                <a:spcPts val="0"/>
-              </a:spcAft>
-              <a:buNone/>
-            </a:pPr>
-            <a:endParaRPr/>
-          </a:p>
-        </p:txBody>
-      </p:sp>
-      <p:sp>
-        <p:nvSpPr>
-          <p:cNvPr id="4768" name="Google Shape;4768;p63"/>
-          <p:cNvSpPr/>
-          <p:nvPr/>
-        </p:nvSpPr>
-        <p:spPr>
-          <a:xfrm>
-            <a:off x="4176289" y="3878900"/>
-            <a:ext cx="791400" cy="754200"/>
-          </a:xfrm>
-          <a:prstGeom prst="roundRect">
-            <a:avLst>
-              <a:gd name="adj" fmla="val 16667"/>
-            </a:avLst>
-          </a:prstGeom>
-          <a:solidFill>
-            <a:srgbClr val="89D3FE"/>
-          </a:solidFill>
-          <a:ln w="9525" cap="flat" cmpd="sng">
-            <a:solidFill>
-              <a:srgbClr val="FFFFFF"/>
-            </a:solidFill>
-            <a:prstDash val="solid"/>
-            <a:round/>
-            <a:headEnd type="none" w="sm" len="sm"/>
-            <a:tailEnd type="none" w="sm" len="sm"/>
-          </a:ln>
-        </p:spPr>
-        <p:txBody>
-          <a:bodyPr spcFirstLastPara="1" wrap="square" lIns="91425" tIns="91425" rIns="91425" bIns="91425" anchor="ctr" anchorCtr="0">
-            <a:noAutofit/>
-          </a:bodyPr>
-          <a:lstStyle/>
-          <a:p>
-            <a:pPr marL="0" lvl="0" indent="0" algn="l" rtl="0">
-              <a:spcBef>
-                <a:spcPts val="0"/>
-              </a:spcBef>
-              <a:spcAft>
-                <a:spcPts val="0"/>
-              </a:spcAft>
-              <a:buNone/>
-            </a:pPr>
-            <a:endParaRPr/>
-          </a:p>
-        </p:txBody>
-      </p:sp>
-      <p:sp>
-        <p:nvSpPr>
-          <p:cNvPr id="4769" name="Google Shape;4769;p63"/>
-          <p:cNvSpPr txBox="1"/>
-          <p:nvPr/>
-        </p:nvSpPr>
-        <p:spPr>
-          <a:xfrm>
-            <a:off x="2052650" y="4035950"/>
-            <a:ext cx="791400" cy="440100"/>
-          </a:xfrm>
-          <a:prstGeom prst="rect">
-            <a:avLst/>
-          </a:prstGeom>
-          <a:noFill/>
-          <a:ln>
-            <a:noFill/>
-          </a:ln>
-        </p:spPr>
-        <p:txBody>
-          <a:bodyPr spcFirstLastPara="1" wrap="square" lIns="91425" tIns="91425" rIns="91425" bIns="91425" anchor="ctr" anchorCtr="0">
-            <a:noAutofit/>
-          </a:bodyPr>
-          <a:lstStyle/>
-          <a:p>
-            <a:pPr marL="0" lvl="0" indent="0" algn="ctr" rtl="0">
-              <a:spcBef>
-                <a:spcPts val="0"/>
-              </a:spcBef>
-              <a:spcAft>
-                <a:spcPts val="0"/>
-              </a:spcAft>
-              <a:buNone/>
-            </a:pPr>
-            <a:r>
-              <a:rPr lang="en" sz="1000">
-                <a:solidFill>
-                  <a:srgbClr val="3A4443"/>
-                </a:solidFill>
-              </a:rPr>
-              <a:t>#ffffff</a:t>
-            </a:r>
-            <a:endParaRPr sz="1000">
-              <a:solidFill>
-                <a:srgbClr val="3A4443"/>
-              </a:solidFill>
-            </a:endParaRPr>
-          </a:p>
-        </p:txBody>
-      </p:sp>
-      <p:sp>
-        <p:nvSpPr>
-          <p:cNvPr id="4770" name="Google Shape;4770;p63"/>
-          <p:cNvSpPr txBox="1"/>
-          <p:nvPr/>
-        </p:nvSpPr>
-        <p:spPr>
-          <a:xfrm>
-            <a:off x="3114475" y="4035950"/>
-            <a:ext cx="791400" cy="440100"/>
-          </a:xfrm>
-          <a:prstGeom prst="rect">
-            <a:avLst/>
-          </a:prstGeom>
-          <a:noFill/>
-          <a:ln>
-            <a:noFill/>
-          </a:ln>
-        </p:spPr>
-        <p:txBody>
-          <a:bodyPr spcFirstLastPara="1" wrap="square" lIns="91425" tIns="91425" rIns="91425" bIns="91425" anchor="ctr" anchorCtr="0">
-            <a:noAutofit/>
-          </a:bodyPr>
-          <a:lstStyle/>
-          <a:p>
-            <a:pPr marL="0" lvl="0" indent="0" algn="ctr" rtl="0">
-              <a:spcBef>
-                <a:spcPts val="0"/>
-              </a:spcBef>
-              <a:spcAft>
-                <a:spcPts val="0"/>
-              </a:spcAft>
-              <a:buNone/>
-            </a:pPr>
-            <a:r>
-              <a:rPr lang="en" sz="1000">
-                <a:solidFill>
-                  <a:srgbClr val="FFFFFF"/>
-                </a:solidFill>
-              </a:rPr>
-              <a:t>#7aa274</a:t>
-            </a:r>
-            <a:endParaRPr sz="1000">
-              <a:solidFill>
-                <a:srgbClr val="FFFFFF"/>
-              </a:solidFill>
-            </a:endParaRPr>
-          </a:p>
-        </p:txBody>
-      </p:sp>
-      <p:sp>
-        <p:nvSpPr>
-          <p:cNvPr id="4771" name="Google Shape;4771;p63"/>
-          <p:cNvSpPr txBox="1"/>
-          <p:nvPr/>
-        </p:nvSpPr>
-        <p:spPr>
-          <a:xfrm>
-            <a:off x="4176300" y="4035950"/>
-            <a:ext cx="791400" cy="440100"/>
-          </a:xfrm>
-          <a:prstGeom prst="rect">
-            <a:avLst/>
-          </a:prstGeom>
-          <a:noFill/>
-          <a:ln>
-            <a:noFill/>
-          </a:ln>
-        </p:spPr>
-        <p:txBody>
-          <a:bodyPr spcFirstLastPara="1" wrap="square" lIns="91425" tIns="91425" rIns="91425" bIns="91425" anchor="ctr" anchorCtr="0">
-            <a:noAutofit/>
-          </a:bodyPr>
-          <a:lstStyle/>
-          <a:p>
-            <a:pPr marL="0" lvl="0" indent="0" algn="ctr" rtl="0">
-              <a:spcBef>
-                <a:spcPts val="0"/>
-              </a:spcBef>
-              <a:spcAft>
-                <a:spcPts val="0"/>
-              </a:spcAft>
-              <a:buNone/>
-            </a:pPr>
-            <a:r>
-              <a:rPr lang="en" sz="1000">
-                <a:solidFill>
-                  <a:srgbClr val="FFFFFF"/>
-                </a:solidFill>
-              </a:rPr>
-              <a:t>#89d3fe</a:t>
-            </a:r>
-            <a:endParaRPr sz="1000">
-              <a:solidFill>
-                <a:srgbClr val="FFFFFF"/>
-              </a:solidFill>
-            </a:endParaRPr>
-          </a:p>
-        </p:txBody>
-      </p:sp>
-      <p:sp>
-        <p:nvSpPr>
-          <p:cNvPr id="4772" name="Google Shape;4772;p63"/>
-          <p:cNvSpPr/>
-          <p:nvPr/>
-        </p:nvSpPr>
-        <p:spPr>
-          <a:xfrm>
-            <a:off x="5238125" y="3878900"/>
-            <a:ext cx="791400" cy="754200"/>
-          </a:xfrm>
-          <a:prstGeom prst="roundRect">
-            <a:avLst>
-              <a:gd name="adj" fmla="val 16667"/>
-            </a:avLst>
-          </a:prstGeom>
-          <a:solidFill>
-            <a:srgbClr val="102570"/>
-          </a:solidFill>
-          <a:ln w="9525" cap="flat" cmpd="sng">
-            <a:solidFill>
-              <a:srgbClr val="FFFFFF"/>
-            </a:solidFill>
-            <a:prstDash val="solid"/>
-            <a:round/>
-            <a:headEnd type="none" w="sm" len="sm"/>
-            <a:tailEnd type="none" w="sm" len="sm"/>
-          </a:ln>
-        </p:spPr>
-        <p:txBody>
-          <a:bodyPr spcFirstLastPara="1" wrap="square" lIns="91425" tIns="91425" rIns="91425" bIns="91425" anchor="ctr" anchorCtr="0">
-            <a:noAutofit/>
-          </a:bodyPr>
-          <a:lstStyle/>
-          <a:p>
-            <a:pPr marL="0" lvl="0" indent="0" algn="l" rtl="0">
-              <a:spcBef>
-                <a:spcPts val="0"/>
-              </a:spcBef>
-              <a:spcAft>
-                <a:spcPts val="0"/>
-              </a:spcAft>
-              <a:buNone/>
-            </a:pPr>
-            <a:endParaRPr/>
-          </a:p>
-        </p:txBody>
-      </p:sp>
-      <p:sp>
-        <p:nvSpPr>
-          <p:cNvPr id="4773" name="Google Shape;4773;p63"/>
-          <p:cNvSpPr txBox="1"/>
-          <p:nvPr/>
-        </p:nvSpPr>
-        <p:spPr>
-          <a:xfrm>
-            <a:off x="5238125" y="4035950"/>
-            <a:ext cx="791400" cy="440100"/>
-          </a:xfrm>
-          <a:prstGeom prst="rect">
-            <a:avLst/>
-          </a:prstGeom>
-          <a:noFill/>
-          <a:ln>
-            <a:noFill/>
-          </a:ln>
-        </p:spPr>
-        <p:txBody>
-          <a:bodyPr spcFirstLastPara="1" wrap="square" lIns="91425" tIns="91425" rIns="91425" bIns="91425" anchor="ctr" anchorCtr="0">
-            <a:noAutofit/>
-          </a:bodyPr>
-          <a:lstStyle/>
-          <a:p>
-            <a:pPr marL="0" lvl="0" indent="0" algn="ctr" rtl="0">
-              <a:spcBef>
-                <a:spcPts val="0"/>
-              </a:spcBef>
-              <a:spcAft>
-                <a:spcPts val="0"/>
-              </a:spcAft>
-              <a:buNone/>
-            </a:pPr>
-            <a:r>
-              <a:rPr lang="en" sz="1000">
-                <a:solidFill>
-                  <a:srgbClr val="FFFFFF"/>
-                </a:solidFill>
-              </a:rPr>
-              <a:t>#102570</a:t>
-            </a:r>
-            <a:endParaRPr sz="1000">
-              <a:solidFill>
-                <a:srgbClr val="FFFFFF"/>
-              </a:solidFill>
-            </a:endParaRPr>
-          </a:p>
-        </p:txBody>
-      </p:sp>
-      <p:sp>
-        <p:nvSpPr>
-          <p:cNvPr id="4774" name="Google Shape;4774;p63"/>
-          <p:cNvSpPr/>
-          <p:nvPr/>
-        </p:nvSpPr>
-        <p:spPr>
-          <a:xfrm>
-            <a:off x="6299950" y="2947800"/>
-            <a:ext cx="791400" cy="754200"/>
-          </a:xfrm>
-          <a:prstGeom prst="roundRect">
-            <a:avLst>
-              <a:gd name="adj" fmla="val 16667"/>
-            </a:avLst>
-          </a:prstGeom>
-          <a:solidFill>
-            <a:srgbClr val="3D3D3D"/>
-          </a:solidFill>
-          <a:ln w="9525" cap="flat" cmpd="sng">
-            <a:solidFill>
-              <a:srgbClr val="FFFFFF"/>
-            </a:solidFill>
-            <a:prstDash val="solid"/>
-            <a:round/>
-            <a:headEnd type="none" w="sm" len="sm"/>
-            <a:tailEnd type="none" w="sm" len="sm"/>
-          </a:ln>
-        </p:spPr>
-        <p:txBody>
-          <a:bodyPr spcFirstLastPara="1" wrap="square" lIns="91425" tIns="91425" rIns="91425" bIns="91425" anchor="ctr" anchorCtr="0">
-            <a:noAutofit/>
-          </a:bodyPr>
-          <a:lstStyle/>
-          <a:p>
-            <a:pPr marL="0" lvl="0" indent="0" algn="l" rtl="0">
-              <a:spcBef>
-                <a:spcPts val="0"/>
-              </a:spcBef>
-              <a:spcAft>
-                <a:spcPts val="0"/>
-              </a:spcAft>
-              <a:buNone/>
-            </a:pPr>
-            <a:endParaRPr/>
-          </a:p>
-        </p:txBody>
-      </p:sp>
-      <p:sp>
-        <p:nvSpPr>
-          <p:cNvPr id="4775" name="Google Shape;4775;p63"/>
-          <p:cNvSpPr txBox="1"/>
-          <p:nvPr/>
-        </p:nvSpPr>
-        <p:spPr>
-          <a:xfrm>
-            <a:off x="6299950" y="3104850"/>
-            <a:ext cx="791400" cy="440100"/>
-          </a:xfrm>
-          <a:prstGeom prst="rect">
-            <a:avLst/>
-          </a:prstGeom>
-          <a:noFill/>
-          <a:ln>
-            <a:noFill/>
-          </a:ln>
-        </p:spPr>
-        <p:txBody>
-          <a:bodyPr spcFirstLastPara="1" wrap="square" lIns="91425" tIns="91425" rIns="91425" bIns="91425" anchor="ctr" anchorCtr="0">
-            <a:noAutofit/>
-          </a:bodyPr>
-          <a:lstStyle/>
-          <a:p>
-            <a:pPr marL="0" lvl="0" indent="0" algn="ctr" rtl="0">
-              <a:spcBef>
-                <a:spcPts val="0"/>
-              </a:spcBef>
-              <a:spcAft>
-                <a:spcPts val="0"/>
-              </a:spcAft>
-              <a:buNone/>
-            </a:pPr>
-            <a:r>
-              <a:rPr lang="en" sz="1000">
-                <a:solidFill>
-                  <a:srgbClr val="FFFFFF"/>
-                </a:solidFill>
-              </a:rPr>
-              <a:t>#3d3d3d</a:t>
-            </a:r>
-            <a:endParaRPr sz="1000">
-              <a:solidFill>
-                <a:srgbClr val="FFFFFF"/>
-              </a:solidFill>
-            </a:endParaRPr>
-          </a:p>
-        </p:txBody>
-      </p:sp>
-      <p:sp>
-        <p:nvSpPr>
-          <p:cNvPr id="4776" name="Google Shape;4776;p63"/>
-          <p:cNvSpPr/>
-          <p:nvPr/>
-        </p:nvSpPr>
-        <p:spPr>
-          <a:xfrm>
-            <a:off x="6299950" y="3878900"/>
-            <a:ext cx="791400" cy="754200"/>
-          </a:xfrm>
-          <a:prstGeom prst="roundRect">
-            <a:avLst>
-              <a:gd name="adj" fmla="val 16667"/>
-            </a:avLst>
-          </a:prstGeom>
-          <a:solidFill>
-            <a:srgbClr val="DFF3FF"/>
-          </a:solidFill>
-          <a:ln w="9525" cap="flat" cmpd="sng">
-            <a:solidFill>
-              <a:srgbClr val="FFFFFF"/>
-            </a:solidFill>
-            <a:prstDash val="solid"/>
-            <a:round/>
-            <a:headEnd type="none" w="sm" len="sm"/>
-            <a:tailEnd type="none" w="sm" len="sm"/>
-          </a:ln>
-        </p:spPr>
-        <p:txBody>
-          <a:bodyPr spcFirstLastPara="1" wrap="square" lIns="91425" tIns="91425" rIns="91425" bIns="91425" anchor="ctr" anchorCtr="0">
-            <a:noAutofit/>
-          </a:bodyPr>
-          <a:lstStyle/>
-          <a:p>
-            <a:pPr marL="0" lvl="0" indent="0" algn="l" rtl="0">
-              <a:spcBef>
-                <a:spcPts val="0"/>
-              </a:spcBef>
-              <a:spcAft>
-                <a:spcPts val="0"/>
-              </a:spcAft>
-              <a:buNone/>
-            </a:pPr>
-            <a:endParaRPr/>
-          </a:p>
-        </p:txBody>
-      </p:sp>
-      <p:sp>
-        <p:nvSpPr>
-          <p:cNvPr id="4777" name="Google Shape;4777;p63"/>
-          <p:cNvSpPr txBox="1"/>
-          <p:nvPr/>
-        </p:nvSpPr>
-        <p:spPr>
-          <a:xfrm>
-            <a:off x="6299950" y="4035950"/>
-            <a:ext cx="791400" cy="440100"/>
-          </a:xfrm>
-          <a:prstGeom prst="rect">
-            <a:avLst/>
-          </a:prstGeom>
-          <a:noFill/>
-          <a:ln>
-            <a:noFill/>
-          </a:ln>
-        </p:spPr>
-        <p:txBody>
-          <a:bodyPr spcFirstLastPara="1" wrap="square" lIns="91425" tIns="91425" rIns="91425" bIns="91425" anchor="ctr" anchorCtr="0">
-            <a:noAutofit/>
-          </a:bodyPr>
-          <a:lstStyle/>
-          <a:p>
-            <a:pPr marL="0" lvl="0" indent="0" algn="ctr" rtl="0">
-              <a:spcBef>
-                <a:spcPts val="0"/>
-              </a:spcBef>
-              <a:spcAft>
-                <a:spcPts val="0"/>
-              </a:spcAft>
-              <a:buNone/>
-            </a:pPr>
-            <a:r>
-              <a:rPr lang="en" sz="1000">
-                <a:solidFill>
-                  <a:srgbClr val="3A4443"/>
-                </a:solidFill>
-              </a:rPr>
-              <a:t>#dff3ff</a:t>
-            </a:r>
-            <a:endParaRPr sz="1000">
-              <a:solidFill>
-                <a:srgbClr val="3A4443"/>
-              </a:solidFill>
-            </a:endParaRPr>
-          </a:p>
-        </p:txBody>
-      </p:sp>
     </p:spTree>
   </p:cSld>
   <p:clrMapOvr>
